--- a/LMIS_Classification.pptx
+++ b/LMIS_Classification.pptx
@@ -15,8 +15,8 @@
     <p:sldId id="260" r:id="rId6"/>
     <p:sldId id="265" r:id="rId7"/>
     <p:sldId id="275" r:id="rId8"/>
-    <p:sldId id="287" r:id="rId9"/>
-    <p:sldId id="288" r:id="rId10"/>
+    <p:sldId id="288" r:id="rId9"/>
+    <p:sldId id="289" r:id="rId10"/>
     <p:sldId id="271" r:id="rId11"/>
     <p:sldId id="272" r:id="rId12"/>
     <p:sldId id="285" r:id="rId13"/>
@@ -2237,7 +2237,7 @@
     </p:spTree>
     <p:extLst>
       <p:ext uri="{BB962C8B-B14F-4D97-AF65-F5344CB8AC3E}">
-        <p14:creationId xmlns:p14="http://schemas.microsoft.com/office/powerpoint/2010/main" val="3955032234"/>
+        <p14:creationId xmlns:p14="http://schemas.microsoft.com/office/powerpoint/2010/main" val="3370600460"/>
       </p:ext>
     </p:extLst>
   </p:cSld>
@@ -2248,11 +2248,11 @@
 </file>
 
 <file path=ppt/notesSlides/notesSlide9.xml><?xml version="1.0" encoding="utf-8"?>
-<p:notes xmlns:a="http://schemas.openxmlformats.org/drawingml/2006/main" xmlns:r="http://schemas.openxmlformats.org/officeDocument/2006/relationships" xmlns:p="http://schemas.openxmlformats.org/presentationml/2006/main" showMasterSp="0" showMasterPhAnim="0">
+<p:notes xmlns:a="http://schemas.openxmlformats.org/drawingml/2006/main" xmlns:r="http://schemas.openxmlformats.org/officeDocument/2006/relationships" xmlns:p="http://schemas.openxmlformats.org/presentationml/2006/main">
   <p:cSld>
     <p:spTree>
       <p:nvGrpSpPr>
-        <p:cNvPr id="1" name="Shape 1088"/>
+        <p:cNvPr id="1" name=""/>
         <p:cNvGrpSpPr/>
         <p:nvPr/>
       </p:nvGrpSpPr>
@@ -2266,87 +2266,39 @@
       </p:grpSpPr>
       <p:sp>
         <p:nvSpPr>
-          <p:cNvPr id="1089" name="Google Shape;1089;g2eb5e0b4935_0_15:notes"/>
+          <p:cNvPr id="2" name="Slide Image Placeholder 1"/>
           <p:cNvSpPr>
             <a:spLocks noGrp="1" noRot="1" noChangeAspect="1"/>
           </p:cNvSpPr>
           <p:nvPr>
-            <p:ph type="sldImg" idx="2"/>
+            <p:ph type="sldImg"/>
           </p:nvPr>
         </p:nvSpPr>
-        <p:spPr>
-          <a:xfrm>
-            <a:off x="381000" y="685800"/>
-            <a:ext cx="6096000" cy="3429000"/>
-          </a:xfrm>
-          <a:custGeom>
-            <a:avLst/>
-            <a:gdLst/>
-            <a:ahLst/>
-            <a:cxnLst/>
-            <a:rect l="l" t="t" r="r" b="b"/>
-            <a:pathLst>
-              <a:path w="120000" h="120000" extrusionOk="0">
-                <a:moveTo>
-                  <a:pt x="0" y="0"/>
-                </a:moveTo>
-                <a:lnTo>
-                  <a:pt x="120000" y="0"/>
-                </a:lnTo>
-                <a:lnTo>
-                  <a:pt x="120000" y="120000"/>
-                </a:lnTo>
-                <a:lnTo>
-                  <a:pt x="0" y="120000"/>
-                </a:lnTo>
-                <a:close/>
-              </a:path>
-            </a:pathLst>
-          </a:custGeom>
-        </p:spPr>
+        <p:spPr/>
       </p:sp>
       <p:sp>
         <p:nvSpPr>
-          <p:cNvPr id="1090" name="Google Shape;1090;g2eb5e0b4935_0_15:notes"/>
-          <p:cNvSpPr txBox="1">
+          <p:cNvPr id="3" name="Notes Placeholder 2"/>
+          <p:cNvSpPr>
             <a:spLocks noGrp="1"/>
           </p:cNvSpPr>
           <p:nvPr>
             <p:ph type="body" idx="1"/>
           </p:nvPr>
         </p:nvSpPr>
-        <p:spPr>
-          <a:xfrm>
-            <a:off x="685800" y="4343400"/>
-            <a:ext cx="5486400" cy="4114800"/>
-          </a:xfrm>
-          <a:prstGeom prst="rect">
-            <a:avLst/>
-          </a:prstGeom>
-        </p:spPr>
+        <p:spPr/>
         <p:txBody>
-          <a:bodyPr spcFirstLastPara="1" wrap="square" lIns="91425" tIns="91425" rIns="91425" bIns="91425" anchor="t" anchorCtr="0">
-            <a:noAutofit/>
-          </a:bodyPr>
+          <a:bodyPr/>
           <a:lstStyle/>
           <a:p>
-            <a:pPr marL="0" lvl="0" indent="0" algn="l" rtl="0">
-              <a:spcBef>
-                <a:spcPts val="0"/>
-              </a:spcBef>
-              <a:spcAft>
-                <a:spcPts val="0"/>
-              </a:spcAft>
-              <a:buNone/>
-            </a:pPr>
-            <a:endParaRPr/>
+            <a:endParaRPr lang="en-US"/>
           </a:p>
         </p:txBody>
       </p:sp>
     </p:spTree>
     <p:extLst>
       <p:ext uri="{BB962C8B-B14F-4D97-AF65-F5344CB8AC3E}">
-        <p14:creationId xmlns:p14="http://schemas.microsoft.com/office/powerpoint/2010/main" val="3370600460"/>
+        <p14:creationId xmlns:p14="http://schemas.microsoft.com/office/powerpoint/2010/main" val="1192609746"/>
       </p:ext>
     </p:extLst>
   </p:cSld>
@@ -26771,8 +26723,8 @@
         </p:nvSpPr>
         <p:spPr>
           <a:xfrm>
-            <a:off x="370800" y="1174558"/>
-            <a:ext cx="4068300" cy="2160300"/>
+            <a:off x="336197" y="1843239"/>
+            <a:ext cx="4201200" cy="2160300"/>
           </a:xfrm>
           <a:prstGeom prst="rect">
             <a:avLst/>
@@ -26794,10 +26746,9 @@
               <a:buNone/>
             </a:pPr>
             <a:r>
-              <a:rPr lang="en" dirty="0"/>
-              <a:t>LMIS Computer Vision Quality Classification</a:t>
+              <a:rPr lang="en-US" dirty="0"/>
+              <a:t>Computer Vision for Thermo Fisher Scientific Manufacturing</a:t>
             </a:r>
-            <a:endParaRPr dirty="0"/>
           </a:p>
         </p:txBody>
       </p:sp>
@@ -26815,7 +26766,7 @@
         </p:nvSpPr>
         <p:spPr>
           <a:xfrm>
-            <a:off x="432716" y="3440150"/>
+            <a:off x="329850" y="4054780"/>
             <a:ext cx="3377121" cy="523220"/>
           </a:xfrm>
           <a:prstGeom prst="rect">
@@ -28509,12 +28460,12 @@
             <a:endParaRPr lang="en-US" dirty="0"/>
           </a:p>
           <a:p>
-            <a:pPr marL="1384300" lvl="2" indent="-342900" algn="l">
+            <a:pPr marL="1441450" lvl="2" indent="-400050" algn="l">
               <a:lnSpc>
                 <a:spcPct val="150000"/>
               </a:lnSpc>
               <a:buFont typeface="+mj-lt"/>
-              <a:buAutoNum type="arabicPeriod" startAt="3"/>
+              <a:buAutoNum type="romanLcPeriod"/>
             </a:pPr>
             <a:r>
               <a:rPr lang="en-US" dirty="0"/>
@@ -28527,7 +28478,7 @@
                 <a:spcPct val="150000"/>
               </a:lnSpc>
               <a:buFont typeface="+mj-lt"/>
-              <a:buAutoNum type="arabicPeriod" startAt="3"/>
+              <a:buAutoNum type="romanLcPeriod"/>
             </a:pPr>
             <a:endParaRPr lang="en-US" dirty="0"/>
           </a:p>
@@ -28537,7 +28488,7 @@
                 <a:spcPct val="150000"/>
               </a:lnSpc>
               <a:buFont typeface="+mj-lt"/>
-              <a:buAutoNum type="arabicPeriod" startAt="3"/>
+              <a:buAutoNum type="romanLcPeriod"/>
             </a:pPr>
             <a:r>
               <a:rPr lang="en-US" dirty="0"/>
@@ -28550,7 +28501,7 @@
                 <a:spcPct val="150000"/>
               </a:lnSpc>
               <a:buFont typeface="+mj-lt"/>
-              <a:buAutoNum type="arabicPeriod" startAt="3"/>
+              <a:buAutoNum type="romanLcPeriod"/>
             </a:pPr>
             <a:endParaRPr lang="en-US" dirty="0"/>
           </a:p>
@@ -29664,12 +29615,15 @@
             <a:avLst/>
           </a:prstGeom>
           <a:ln>
-            <a:solidFill>
-              <a:schemeClr val="bg1">
-                <a:lumMod val="10000"/>
-              </a:schemeClr>
-            </a:solidFill>
+            <a:noFill/>
           </a:ln>
+          <a:effectLst>
+            <a:outerShdw blurRad="50800" dist="38100" dir="2700000" algn="tl" rotWithShape="0">
+              <a:prstClr val="black">
+                <a:alpha val="40000"/>
+              </a:prstClr>
+            </a:outerShdw>
+          </a:effectLst>
         </p:spPr>
       </p:pic>
       <p:pic>
@@ -29702,12 +29656,15 @@
             <a:avLst/>
           </a:prstGeom>
           <a:ln>
-            <a:solidFill>
-              <a:schemeClr val="bg1">
-                <a:lumMod val="10000"/>
-              </a:schemeClr>
-            </a:solidFill>
+            <a:noFill/>
           </a:ln>
+          <a:effectLst>
+            <a:outerShdw blurRad="50800" dist="38100" dir="2700000" algn="tl" rotWithShape="0">
+              <a:prstClr val="black">
+                <a:alpha val="40000"/>
+              </a:prstClr>
+            </a:outerShdw>
+          </a:effectLst>
         </p:spPr>
       </p:pic>
     </p:spTree>
@@ -31013,12 +30970,23 @@
               <a:buNone/>
             </a:pPr>
             <a:r>
-              <a:rPr lang="en-US" sz="1600" dirty="0" err="1"/>
-              <a:t>Thermo</a:t>
+              <a:rPr lang="en-US" sz="1600" dirty="0">
+                <a:solidFill>
+                  <a:srgbClr val="002060"/>
+                </a:solidFill>
+                <a:hlinkClick r:id="rId4">
+                  <a:extLst>
+                    <a:ext uri="{A12FA001-AC4F-418D-AE19-62706E023703}">
+                      <ahyp:hlinkClr xmlns:ahyp="http://schemas.microsoft.com/office/drawing/2018/hyperlinkcolor" val="tx"/>
+                    </a:ext>
+                  </a:extLst>
+                </a:hlinkClick>
+              </a:rPr>
+              <a:t>Thermo Fisher Scientific (TFS) in Hillsboro, OR </a:t>
             </a:r>
             <a:r>
               <a:rPr lang="en-US" sz="1600" dirty="0"/>
-              <a:t> Fisher Scientific (TFS) in Hillsboro, OR manufactures Scanning Electron Microscopes (SEM).  In production, Liquid Metal Ion Source (LMIS) units are imaged at a SEM and human inspected for quality issues.  This process is costly and often inaccurate due to varying human biases.</a:t>
+              <a:t>manufactures Scanning Electron Microscopes (SEM).  In production, Liquid Metal Ion Source (LMIS) units are imaged at a SEM and human inspected for quality issues.  This process is costly and can be problematic due to varying human biases.</a:t>
             </a:r>
             <a:endParaRPr sz="1600" dirty="0"/>
           </a:p>
@@ -31046,7 +31014,7 @@
             </a:pPr>
             <a:r>
               <a:rPr lang="en" sz="1600" dirty="0"/>
-              <a:t>We are charged with: </a:t>
+              <a:t>Goal: </a:t>
             </a:r>
             <a:endParaRPr sz="1600" dirty="0"/>
           </a:p>
@@ -31075,7 +31043,7 @@
             </a:pPr>
             <a:r>
               <a:rPr lang="en-US" sz="1600" dirty="0"/>
-              <a:t>Create an automated Computer Vision process that will accurately classify LMIS SEM images, thus reducing cost incurred in man-hours and quality problems due to varying human inspection results.</a:t>
+              <a:t>Create an automated Computer Vision process that will accurately classify LMIS SEM images, thus reducing cost incurred in man-hours and quality problems due to varying human inspection biases.</a:t>
             </a:r>
             <a:endParaRPr sz="1600" dirty="0"/>
           </a:p>
@@ -31446,7 +31414,7 @@
                 <a:cs typeface="Rosario"/>
                 <a:sym typeface="Rosario"/>
               </a:rPr>
-              <a:t>7,019 grayscale image files</a:t>
+              <a:t>7,019 grayscale SEM image files</a:t>
             </a:r>
           </a:p>
           <a:p>
@@ -31817,14 +31785,7 @@
             <a:pPr algn="ctr"/>
             <a:r>
               <a:rPr lang="en-US" sz="800" dirty="0"/>
-              <a:t>NOTE: SEM images have been intentionally pixelated</a:t>
-            </a:r>
-          </a:p>
-          <a:p>
-            <a:pPr algn="ctr"/>
-            <a:r>
-              <a:rPr lang="en-US" sz="800" dirty="0"/>
-              <a:t>to protect intellectual property</a:t>
+              <a:t>NOTE: SEM images have been intentionally scaled down to protect intellectual property</a:t>
             </a:r>
           </a:p>
         </p:txBody>
@@ -31946,6 +31907,13 @@
             <a:chOff x="1928839" y="829357"/>
             <a:chExt cx="4687497" cy="4088210"/>
           </a:xfrm>
+          <a:effectLst>
+            <a:outerShdw blurRad="50800" dist="38100" dir="2700000" algn="tl" rotWithShape="0">
+              <a:prstClr val="black">
+                <a:alpha val="40000"/>
+              </a:prstClr>
+            </a:outerShdw>
+          </a:effectLst>
         </p:grpSpPr>
         <p:pic>
           <p:nvPicPr>
@@ -32147,14 +32115,13 @@
           </p:nvPicPr>
           <p:blipFill>
             <a:blip r:embed="rId9"/>
-            <a:stretch>
-              <a:fillRect/>
-            </a:stretch>
+            <a:srcRect/>
+            <a:stretch/>
           </p:blipFill>
           <p:spPr>
             <a:xfrm>
-              <a:off x="3963271" y="3274808"/>
-              <a:ext cx="573119" cy="531010"/>
+              <a:off x="3967157" y="3274808"/>
+              <a:ext cx="565348" cy="531010"/>
             </a:xfrm>
             <a:prstGeom prst="rect">
               <a:avLst/>
@@ -33168,7 +33135,7 @@
         </p:nvSpPr>
         <p:spPr>
           <a:xfrm>
-            <a:off x="228600" y="163513"/>
+            <a:off x="161683" y="89255"/>
             <a:ext cx="8915400" cy="573087"/>
           </a:xfrm>
           <a:prstGeom prst="rect">
@@ -33192,7 +33159,7 @@
             </a:pPr>
             <a:r>
               <a:rPr lang="en" dirty="0"/>
-              <a:t>Baseline Model – Convolutional NN</a:t>
+              <a:t>Baseline  – Convolutional Neural Network</a:t>
             </a:r>
             <a:endParaRPr dirty="0"/>
           </a:p>
@@ -33212,7 +33179,7 @@
         </p:nvGrpSpPr>
         <p:grpSpPr>
           <a:xfrm>
-            <a:off x="2746147" y="2934798"/>
+            <a:off x="2746147" y="1881415"/>
             <a:ext cx="803563" cy="836179"/>
             <a:chOff x="1239982" y="2332758"/>
             <a:chExt cx="692727" cy="716974"/>
@@ -33238,6 +33205,9 @@
             <a:prstGeom prst="rect">
               <a:avLst/>
             </a:prstGeom>
+            <a:solidFill>
+              <a:schemeClr val="accent3"/>
+            </a:solidFill>
             <a:effectLst>
               <a:outerShdw blurRad="50800" dist="38100" dir="2700000" algn="tl" rotWithShape="0">
                 <a:prstClr val="black">
@@ -33485,6 +33455,9 @@
             <a:prstGeom prst="rect">
               <a:avLst/>
             </a:prstGeom>
+            <a:solidFill>
+              <a:schemeClr val="accent3"/>
+            </a:solidFill>
             <a:effectLst>
               <a:outerShdw blurRad="50800" dist="38100" dir="2700000" algn="tl" rotWithShape="0">
                 <a:prstClr val="black">
@@ -33539,12 +33512,15 @@
         </p:nvSpPr>
         <p:spPr>
           <a:xfrm>
-            <a:off x="265358" y="2860914"/>
+            <a:off x="265358" y="1807531"/>
             <a:ext cx="638313" cy="914400"/>
           </a:xfrm>
           <a:prstGeom prst="rect">
             <a:avLst/>
           </a:prstGeom>
+          <a:solidFill>
+            <a:schemeClr val="accent3"/>
+          </a:solidFill>
           <a:effectLst>
             <a:outerShdw blurRad="50800" dist="38100" dir="2700000" algn="tl" rotWithShape="0">
               <a:prstClr val="black">
@@ -33598,12 +33574,15 @@
         </p:nvSpPr>
         <p:spPr>
           <a:xfrm>
-            <a:off x="1465858" y="2860914"/>
+            <a:off x="1465858" y="1807531"/>
             <a:ext cx="677160" cy="925891"/>
           </a:xfrm>
           <a:prstGeom prst="flowChartInputOutput">
             <a:avLst/>
           </a:prstGeom>
+          <a:solidFill>
+            <a:schemeClr val="accent3"/>
+          </a:solidFill>
           <a:effectLst>
             <a:outerShdw blurRad="50800" dist="38100" dir="2700000" algn="tl" rotWithShape="0">
               <a:prstClr val="black">
@@ -33657,7 +33636,7 @@
         </p:nvGrpSpPr>
         <p:grpSpPr>
           <a:xfrm>
-            <a:off x="4219790" y="2771206"/>
+            <a:off x="4219790" y="1717823"/>
             <a:ext cx="989027" cy="999771"/>
             <a:chOff x="4186614" y="1690849"/>
             <a:chExt cx="989027" cy="999771"/>
@@ -33683,6 +33662,9 @@
             <a:prstGeom prst="rect">
               <a:avLst/>
             </a:prstGeom>
+            <a:solidFill>
+              <a:schemeClr val="accent3"/>
+            </a:solidFill>
             <a:effectLst>
               <a:outerShdw blurRad="50800" dist="38100" dir="2700000" algn="tl" rotWithShape="0">
                 <a:prstClr val="black">
@@ -33789,6 +33771,9 @@
             <a:prstGeom prst="rect">
               <a:avLst/>
             </a:prstGeom>
+            <a:solidFill>
+              <a:schemeClr val="accent3"/>
+            </a:solidFill>
             <a:effectLst>
               <a:outerShdw blurRad="50800" dist="38100" dir="2700000" algn="tl" rotWithShape="0">
                 <a:prstClr val="black">
@@ -33984,10 +33969,10 @@
         </p:nvGrpSpPr>
         <p:grpSpPr>
           <a:xfrm>
-            <a:off x="5737320" y="2389078"/>
-            <a:ext cx="1325933" cy="1380365"/>
-            <a:chOff x="5033303" y="2379043"/>
-            <a:chExt cx="1325933" cy="1380365"/>
+            <a:off x="5736679" y="1335695"/>
+            <a:ext cx="1326574" cy="1380365"/>
+            <a:chOff x="5032662" y="2379043"/>
+            <a:chExt cx="1326574" cy="1380365"/>
           </a:xfrm>
         </p:grpSpPr>
         <p:sp>
@@ -34010,6 +33995,9 @@
             <a:prstGeom prst="rect">
               <a:avLst/>
             </a:prstGeom>
+            <a:solidFill>
+              <a:schemeClr val="accent3"/>
+            </a:solidFill>
             <a:effectLst>
               <a:outerShdw blurRad="50800" dist="38100" dir="2700000" algn="tl" rotWithShape="0">
                 <a:prstClr val="black">
@@ -34165,6 +34153,9 @@
             <a:prstGeom prst="line">
               <a:avLst/>
             </a:prstGeom>
+            <a:solidFill>
+              <a:schemeClr val="accent3"/>
+            </a:solidFill>
             <a:effectLst>
               <a:outerShdw blurRad="50800" dist="38100" dir="2700000" algn="tl" rotWithShape="0">
                 <a:prstClr val="black">
@@ -34251,12 +34242,15 @@
           </p:nvSpPr>
           <p:spPr>
             <a:xfrm>
-              <a:off x="5045362" y="3414058"/>
+              <a:off x="5032662" y="3414058"/>
               <a:ext cx="346293" cy="345348"/>
             </a:xfrm>
             <a:prstGeom prst="rect">
               <a:avLst/>
             </a:prstGeom>
+            <a:solidFill>
+              <a:schemeClr val="accent3"/>
+            </a:solidFill>
             <a:effectLst>
               <a:outerShdw blurRad="50800" dist="38100" dir="2700000" algn="tl" rotWithShape="0">
                 <a:prstClr val="black">
@@ -34311,7 +34305,7 @@
         </p:nvGrpSpPr>
         <p:grpSpPr>
           <a:xfrm>
-            <a:off x="7171936" y="1978939"/>
+            <a:off x="7171936" y="925556"/>
             <a:ext cx="1691561" cy="1796375"/>
             <a:chOff x="5899098" y="1506351"/>
             <a:chExt cx="1910594" cy="2044427"/>
@@ -34337,6 +34331,9 @@
             <a:prstGeom prst="rect">
               <a:avLst/>
             </a:prstGeom>
+            <a:solidFill>
+              <a:schemeClr val="accent3"/>
+            </a:solidFill>
             <a:effectLst>
               <a:outerShdw blurRad="50800" dist="38100" dir="2700000" algn="tl" rotWithShape="0">
                 <a:prstClr val="black">
@@ -34584,6 +34581,9 @@
             <a:prstGeom prst="rect">
               <a:avLst/>
             </a:prstGeom>
+            <a:solidFill>
+              <a:schemeClr val="accent3"/>
+            </a:solidFill>
             <a:effectLst>
               <a:outerShdw blurRad="50800" dist="38100" dir="2700000" algn="tl" rotWithShape="0">
                 <a:prstClr val="black">
@@ -34638,7 +34638,7 @@
         </p:nvSpPr>
         <p:spPr>
           <a:xfrm>
-            <a:off x="2078126" y="3160857"/>
+            <a:off x="2078126" y="2107474"/>
             <a:ext cx="707309" cy="338554"/>
           </a:xfrm>
           <a:prstGeom prst="rect">
@@ -34679,7 +34679,7 @@
         </p:nvSpPr>
         <p:spPr>
           <a:xfrm>
-            <a:off x="3555440" y="3164759"/>
+            <a:off x="3555440" y="2111376"/>
             <a:ext cx="707309" cy="338554"/>
           </a:xfrm>
           <a:prstGeom prst="rect">
@@ -34720,7 +34720,7 @@
         </p:nvSpPr>
         <p:spPr>
           <a:xfrm>
-            <a:off x="5136818" y="3167055"/>
+            <a:off x="5136818" y="2113672"/>
             <a:ext cx="707309" cy="338554"/>
           </a:xfrm>
           <a:prstGeom prst="rect">
@@ -34761,7 +34761,7 @@
         </p:nvSpPr>
         <p:spPr>
           <a:xfrm>
-            <a:off x="6602727" y="3162427"/>
+            <a:off x="6602727" y="2109044"/>
             <a:ext cx="707309" cy="338554"/>
           </a:xfrm>
           <a:prstGeom prst="rect">
@@ -34802,7 +34802,7 @@
         </p:nvSpPr>
         <p:spPr>
           <a:xfrm>
-            <a:off x="341451" y="2460917"/>
+            <a:off x="341451" y="1407534"/>
             <a:ext cx="486126" cy="338554"/>
           </a:xfrm>
           <a:prstGeom prst="rect">
@@ -34838,7 +34838,7 @@
         </p:nvSpPr>
         <p:spPr>
           <a:xfrm>
-            <a:off x="870721" y="3131517"/>
+            <a:off x="870721" y="2078134"/>
             <a:ext cx="707309" cy="338554"/>
           </a:xfrm>
           <a:prstGeom prst="rect">
@@ -34879,7 +34879,7 @@
         </p:nvSpPr>
         <p:spPr>
           <a:xfrm>
-            <a:off x="1515362" y="2460917"/>
+            <a:off x="1515362" y="1407534"/>
             <a:ext cx="707309" cy="338554"/>
           </a:xfrm>
           <a:prstGeom prst="rect">
@@ -34915,7 +34915,7 @@
         </p:nvSpPr>
         <p:spPr>
           <a:xfrm>
-            <a:off x="2859537" y="2452507"/>
+            <a:off x="2859537" y="1399124"/>
             <a:ext cx="707309" cy="338554"/>
           </a:xfrm>
           <a:prstGeom prst="rect">
@@ -34951,7 +34951,7 @@
         </p:nvSpPr>
         <p:spPr>
           <a:xfrm>
-            <a:off x="3203213" y="3696048"/>
+            <a:off x="3203213" y="2642665"/>
             <a:ext cx="345620" cy="215444"/>
           </a:xfrm>
           <a:prstGeom prst="rect">
@@ -34987,7 +34987,7 @@
         </p:nvCxnSpPr>
         <p:spPr>
           <a:xfrm flipV="1">
-            <a:off x="3408813" y="3586594"/>
+            <a:off x="3408813" y="2533211"/>
             <a:ext cx="132588" cy="145473"/>
           </a:xfrm>
           <a:prstGeom prst="straightConnector1">
@@ -35026,7 +35026,7 @@
         </p:nvGrpSpPr>
         <p:grpSpPr>
           <a:xfrm>
-            <a:off x="4605140" y="3622613"/>
+            <a:off x="4605140" y="2569230"/>
             <a:ext cx="345620" cy="324898"/>
             <a:chOff x="4653629" y="2535032"/>
             <a:chExt cx="345620" cy="324898"/>
@@ -35122,7 +35122,7 @@
         </p:nvGrpSpPr>
         <p:grpSpPr>
           <a:xfrm>
-            <a:off x="6007509" y="3613975"/>
+            <a:off x="6007509" y="2560592"/>
             <a:ext cx="387762" cy="324898"/>
             <a:chOff x="4653629" y="2535032"/>
             <a:chExt cx="387762" cy="324898"/>
@@ -35218,7 +35218,7 @@
         </p:nvGrpSpPr>
         <p:grpSpPr>
           <a:xfrm>
-            <a:off x="7289255" y="3608643"/>
+            <a:off x="7289255" y="2555260"/>
             <a:ext cx="387762" cy="324898"/>
             <a:chOff x="4653629" y="2535032"/>
             <a:chExt cx="387762" cy="324898"/>
@@ -35314,7 +35314,7 @@
         </p:nvCxnSpPr>
         <p:spPr>
           <a:xfrm>
-            <a:off x="1071975" y="3111874"/>
+            <a:off x="1071975" y="2058491"/>
             <a:ext cx="304800" cy="0"/>
           </a:xfrm>
           <a:prstGeom prst="straightConnector1">
@@ -35353,7 +35353,7 @@
         </p:nvCxnSpPr>
         <p:spPr>
           <a:xfrm>
-            <a:off x="2277317" y="3118805"/>
+            <a:off x="2277317" y="2065422"/>
             <a:ext cx="304800" cy="0"/>
           </a:xfrm>
           <a:prstGeom prst="straightConnector1">
@@ -35392,7 +35392,7 @@
         </p:nvCxnSpPr>
         <p:spPr>
           <a:xfrm>
-            <a:off x="3756694" y="3111874"/>
+            <a:off x="3756694" y="2058491"/>
             <a:ext cx="304800" cy="0"/>
           </a:xfrm>
           <a:prstGeom prst="straightConnector1">
@@ -35431,7 +35431,7 @@
         </p:nvCxnSpPr>
         <p:spPr>
           <a:xfrm>
-            <a:off x="5338072" y="3111874"/>
+            <a:off x="5338072" y="2058491"/>
             <a:ext cx="304800" cy="0"/>
           </a:xfrm>
           <a:prstGeom prst="straightConnector1">
@@ -35470,7 +35470,7 @@
         </p:nvCxnSpPr>
         <p:spPr>
           <a:xfrm>
-            <a:off x="6907263" y="3099553"/>
+            <a:off x="6907263" y="2046170"/>
             <a:ext cx="304800" cy="0"/>
           </a:xfrm>
           <a:prstGeom prst="straightConnector1">
@@ -35509,7 +35509,7 @@
         </p:nvSpPr>
         <p:spPr>
           <a:xfrm>
-            <a:off x="4613713" y="2363957"/>
+            <a:off x="4613713" y="1310574"/>
             <a:ext cx="707309" cy="338554"/>
           </a:xfrm>
           <a:prstGeom prst="rect">
@@ -35545,7 +35545,7 @@
         </p:nvSpPr>
         <p:spPr>
           <a:xfrm>
-            <a:off x="6568276" y="2031415"/>
+            <a:off x="6568276" y="978032"/>
             <a:ext cx="707309" cy="338554"/>
           </a:xfrm>
           <a:prstGeom prst="rect">
@@ -35581,7 +35581,7 @@
         </p:nvSpPr>
         <p:spPr>
           <a:xfrm>
-            <a:off x="7801810" y="1971327"/>
+            <a:off x="7801810" y="917944"/>
             <a:ext cx="707309" cy="338554"/>
           </a:xfrm>
           <a:prstGeom prst="rect">
@@ -35603,47 +35603,6 @@
           </a:p>
         </p:txBody>
       </p:sp>
-      <p:cxnSp>
-        <p:nvCxnSpPr>
-          <p:cNvPr id="1121" name="Straight Arrow Connector 1120">
-            <a:extLst>
-              <a:ext uri="{FF2B5EF4-FFF2-40B4-BE49-F238E27FC236}">
-                <a16:creationId xmlns:a16="http://schemas.microsoft.com/office/drawing/2014/main" id="{9D1887EA-E8AF-0DCB-453F-AFEDD26E8C66}"/>
-              </a:ext>
-            </a:extLst>
-          </p:cNvPr>
-          <p:cNvCxnSpPr>
-            <a:cxnSpLocks/>
-          </p:cNvCxnSpPr>
-          <p:nvPr/>
-        </p:nvCxnSpPr>
-        <p:spPr>
-          <a:xfrm>
-            <a:off x="8243245" y="3108503"/>
-            <a:ext cx="550235" cy="10302"/>
-          </a:xfrm>
-          <a:prstGeom prst="straightConnector1">
-            <a:avLst/>
-          </a:prstGeom>
-          <a:ln>
-            <a:tailEnd type="triangle"/>
-          </a:ln>
-        </p:spPr>
-        <p:style>
-          <a:lnRef idx="1">
-            <a:schemeClr val="dk1"/>
-          </a:lnRef>
-          <a:fillRef idx="0">
-            <a:schemeClr val="dk1"/>
-          </a:fillRef>
-          <a:effectRef idx="0">
-            <a:schemeClr val="dk1"/>
-          </a:effectRef>
-          <a:fontRef idx="minor">
-            <a:schemeClr val="tx1"/>
-          </a:fontRef>
-        </p:style>
-      </p:cxnSp>
       <p:sp>
         <p:nvSpPr>
           <p:cNvPr id="1123" name="TextBox 1122">
@@ -35658,8 +35617,8 @@
         </p:nvSpPr>
         <p:spPr>
           <a:xfrm>
-            <a:off x="1869016" y="1449674"/>
-            <a:ext cx="5034446" cy="307777"/>
+            <a:off x="760907" y="860708"/>
+            <a:ext cx="3455828" cy="338554"/>
           </a:xfrm>
           <a:prstGeom prst="rect">
             <a:avLst/>
@@ -35677,449 +35636,25 @@
               <a:buNone/>
             </a:pPr>
             <a:r>
-              <a:rPr lang="en-US" sz="1400" b="1" u="sng" dirty="0"/>
-              <a:t>Feature Extraction Architecture: Convolutional Layers</a:t>
+              <a:rPr lang="en-US" sz="1600" b="1" dirty="0">
+                <a:solidFill>
+                  <a:schemeClr val="dk1"/>
+                </a:solidFill>
+                <a:latin typeface="Inter"/>
+                <a:ea typeface="Inter"/>
+                <a:sym typeface="Inter"/>
+              </a:rPr>
+              <a:t>Feature Extraction Architecture:</a:t>
             </a:r>
-            <a:endParaRPr lang="en-US" sz="1400" dirty="0"/>
           </a:p>
         </p:txBody>
       </p:sp>
-    </p:spTree>
-    <p:extLst>
-      <p:ext uri="{BB962C8B-B14F-4D97-AF65-F5344CB8AC3E}">
-        <p14:creationId xmlns:p14="http://schemas.microsoft.com/office/powerpoint/2010/main" val="2908707292"/>
-      </p:ext>
-    </p:extLst>
-  </p:cSld>
-  <p:clrMapOvr>
-    <a:overrideClrMapping bg1="lt1" tx1="dk1" bg2="dk2" tx2="lt2" accent1="accent1" accent2="accent2" accent3="accent3" accent4="accent4" accent5="accent5" accent6="accent6" hlink="hlink" folHlink="folHlink"/>
-  </p:clrMapOvr>
-</p:sld>
-</file>
-
-<file path=ppt/slides/slide8.xml><?xml version="1.0" encoding="utf-8"?>
-<p:sld xmlns:a="http://schemas.openxmlformats.org/drawingml/2006/main" xmlns:r="http://schemas.openxmlformats.org/officeDocument/2006/relationships" xmlns:p="http://schemas.openxmlformats.org/presentationml/2006/main">
-  <p:cSld>
-    <p:bg>
-      <p:bgPr>
-        <a:gradFill>
-          <a:gsLst>
-            <a:gs pos="0">
-              <a:schemeClr val="tx2"/>
-            </a:gs>
-            <a:gs pos="65000">
-              <a:schemeClr val="accent1">
-                <a:lumMod val="45000"/>
-                <a:lumOff val="55000"/>
-              </a:schemeClr>
-            </a:gs>
-            <a:gs pos="100000">
-              <a:schemeClr val="accent1">
-                <a:lumMod val="45000"/>
-                <a:lumOff val="55000"/>
-              </a:schemeClr>
-            </a:gs>
-            <a:gs pos="100000">
-              <a:schemeClr val="accent1">
-                <a:lumMod val="30000"/>
-                <a:lumOff val="70000"/>
-              </a:schemeClr>
-            </a:gs>
-          </a:gsLst>
-          <a:lin ang="5400000" scaled="1"/>
-        </a:gradFill>
-        <a:effectLst/>
-      </p:bgPr>
-    </p:bg>
-    <p:spTree>
-      <p:nvGrpSpPr>
-        <p:cNvPr id="1" name="Shape 1091"/>
-        <p:cNvGrpSpPr/>
-        <p:nvPr/>
-      </p:nvGrpSpPr>
-      <p:grpSpPr>
-        <a:xfrm>
-          <a:off x="0" y="0"/>
-          <a:ext cx="0" cy="0"/>
-          <a:chOff x="0" y="0"/>
-          <a:chExt cx="0" cy="0"/>
-        </a:xfrm>
-      </p:grpSpPr>
       <p:sp>
         <p:nvSpPr>
-          <p:cNvPr id="1092" name="Google Shape;1092;p31"/>
-          <p:cNvSpPr txBox="1">
-            <a:spLocks noGrp="1"/>
-          </p:cNvSpPr>
-          <p:nvPr>
-            <p:ph type="title" idx="4294967295"/>
-          </p:nvPr>
-        </p:nvSpPr>
-        <p:spPr>
-          <a:xfrm>
-            <a:off x="228600" y="163513"/>
-            <a:ext cx="8915400" cy="573087"/>
-          </a:xfrm>
-          <a:prstGeom prst="rect">
-            <a:avLst/>
-          </a:prstGeom>
-        </p:spPr>
-        <p:txBody>
-          <a:bodyPr spcFirstLastPara="1" wrap="square" lIns="91425" tIns="91425" rIns="91425" bIns="91425" anchor="t" anchorCtr="0">
-            <a:noAutofit/>
-          </a:bodyPr>
-          <a:lstStyle/>
-          <a:p>
-            <a:pPr marL="0" lvl="0" indent="0" algn="l" rtl="0">
-              <a:spcBef>
-                <a:spcPts val="0"/>
-              </a:spcBef>
-              <a:spcAft>
-                <a:spcPts val="0"/>
-              </a:spcAft>
-              <a:buNone/>
-            </a:pPr>
-            <a:r>
-              <a:rPr lang="en" dirty="0"/>
-              <a:t>Baseline Model – Convolutional NN</a:t>
-            </a:r>
-            <a:endParaRPr dirty="0"/>
-          </a:p>
-        </p:txBody>
-      </p:sp>
-      <p:grpSp>
-        <p:nvGrpSpPr>
-          <p:cNvPr id="1088" name="Group 1087">
+          <p:cNvPr id="5" name="TextBox 4">
             <a:extLst>
               <a:ext uri="{FF2B5EF4-FFF2-40B4-BE49-F238E27FC236}">
-                <a16:creationId xmlns:a16="http://schemas.microsoft.com/office/drawing/2014/main" id="{27001F23-1F32-0404-0BD2-4D1D4815834C}"/>
-              </a:ext>
-            </a:extLst>
-          </p:cNvPr>
-          <p:cNvGrpSpPr/>
-          <p:nvPr/>
-        </p:nvGrpSpPr>
-        <p:grpSpPr>
-          <a:xfrm>
-            <a:off x="83187" y="2043414"/>
-            <a:ext cx="1691561" cy="1796375"/>
-            <a:chOff x="5899098" y="1506351"/>
-            <a:chExt cx="1910594" cy="2044427"/>
-          </a:xfrm>
-        </p:grpSpPr>
-        <p:sp>
-          <p:nvSpPr>
-            <p:cNvPr id="54" name="Rectangle 53">
-              <a:extLst>
-                <a:ext uri="{FF2B5EF4-FFF2-40B4-BE49-F238E27FC236}">
-                  <a16:creationId xmlns:a16="http://schemas.microsoft.com/office/drawing/2014/main" id="{8BD69611-5270-5AFF-D1CF-717054590764}"/>
-                </a:ext>
-              </a:extLst>
-            </p:cNvPr>
-            <p:cNvSpPr/>
-            <p:nvPr/>
-          </p:nvSpPr>
-          <p:spPr>
-            <a:xfrm>
-              <a:off x="7609559" y="1516565"/>
-              <a:ext cx="200133" cy="204607"/>
-            </a:xfrm>
-            <a:prstGeom prst="rect">
-              <a:avLst/>
-            </a:prstGeom>
-            <a:effectLst>
-              <a:outerShdw blurRad="50800" dist="38100" dir="2700000" algn="tl" rotWithShape="0">
-                <a:prstClr val="black">
-                  <a:alpha val="40000"/>
-                </a:prstClr>
-              </a:outerShdw>
-            </a:effectLst>
-          </p:spPr>
-          <p:style>
-            <a:lnRef idx="2">
-              <a:schemeClr val="accent1">
-                <a:shade val="15000"/>
-              </a:schemeClr>
-            </a:lnRef>
-            <a:fillRef idx="1">
-              <a:schemeClr val="accent1"/>
-            </a:fillRef>
-            <a:effectRef idx="0">
-              <a:schemeClr val="accent1"/>
-            </a:effectRef>
-            <a:fontRef idx="minor">
-              <a:schemeClr val="lt1"/>
-            </a:fontRef>
-          </p:style>
-          <p:txBody>
-            <a:bodyPr rtlCol="0" anchor="ctr"/>
-            <a:lstStyle/>
-            <a:p>
-              <a:pPr algn="ctr"/>
-              <a:endParaRPr lang="en-US" sz="800">
-                <a:solidFill>
-                  <a:schemeClr val="tx1">
-                    <a:lumMod val="50000"/>
-                  </a:schemeClr>
-                </a:solidFill>
-              </a:endParaRPr>
-            </a:p>
-          </p:txBody>
-        </p:sp>
-        <p:cxnSp>
-          <p:nvCxnSpPr>
-            <p:cNvPr id="56" name="Straight Connector 55">
-              <a:extLst>
-                <a:ext uri="{FF2B5EF4-FFF2-40B4-BE49-F238E27FC236}">
-                  <a16:creationId xmlns:a16="http://schemas.microsoft.com/office/drawing/2014/main" id="{FD7C807C-13B3-E237-1714-80ED0EECFEE4}"/>
-                </a:ext>
-              </a:extLst>
-            </p:cNvPr>
-            <p:cNvCxnSpPr>
-              <a:cxnSpLocks/>
-            </p:cNvCxnSpPr>
-            <p:nvPr/>
-          </p:nvCxnSpPr>
-          <p:spPr>
-            <a:xfrm flipV="1">
-              <a:off x="5899098" y="1506351"/>
-              <a:ext cx="1710461" cy="1839574"/>
-            </a:xfrm>
-            <a:prstGeom prst="line">
-              <a:avLst/>
-            </a:prstGeom>
-            <a:effectLst>
-              <a:outerShdw blurRad="50800" dist="38100" dir="2700000" algn="tl" rotWithShape="0">
-                <a:prstClr val="black">
-                  <a:alpha val="40000"/>
-                </a:prstClr>
-              </a:outerShdw>
-            </a:effectLst>
-          </p:spPr>
-          <p:style>
-            <a:lnRef idx="2">
-              <a:schemeClr val="accent1">
-                <a:shade val="15000"/>
-              </a:schemeClr>
-            </a:lnRef>
-            <a:fillRef idx="1">
-              <a:schemeClr val="accent1"/>
-            </a:fillRef>
-            <a:effectRef idx="0">
-              <a:schemeClr val="accent1"/>
-            </a:effectRef>
-            <a:fontRef idx="minor">
-              <a:schemeClr val="lt1"/>
-            </a:fontRef>
-          </p:style>
-        </p:cxnSp>
-        <p:cxnSp>
-          <p:nvCxnSpPr>
-            <p:cNvPr id="61" name="Straight Connector 60">
-              <a:extLst>
-                <a:ext uri="{FF2B5EF4-FFF2-40B4-BE49-F238E27FC236}">
-                  <a16:creationId xmlns:a16="http://schemas.microsoft.com/office/drawing/2014/main" id="{C68B20E6-9215-8CD0-9002-A4F1925DA0B9}"/>
-                </a:ext>
-              </a:extLst>
-            </p:cNvPr>
-            <p:cNvCxnSpPr>
-              <a:cxnSpLocks/>
-            </p:cNvCxnSpPr>
-            <p:nvPr/>
-          </p:nvCxnSpPr>
-          <p:spPr>
-            <a:xfrm flipV="1">
-              <a:off x="5899098" y="1711204"/>
-              <a:ext cx="1710461" cy="1839574"/>
-            </a:xfrm>
-            <a:prstGeom prst="line">
-              <a:avLst/>
-            </a:prstGeom>
-            <a:effectLst>
-              <a:outerShdw blurRad="50800" dist="38100" dir="2700000" algn="tl" rotWithShape="0">
-                <a:prstClr val="black">
-                  <a:alpha val="40000"/>
-                </a:prstClr>
-              </a:outerShdw>
-            </a:effectLst>
-          </p:spPr>
-          <p:style>
-            <a:lnRef idx="2">
-              <a:schemeClr val="accent1">
-                <a:shade val="15000"/>
-              </a:schemeClr>
-            </a:lnRef>
-            <a:fillRef idx="1">
-              <a:schemeClr val="accent1"/>
-            </a:fillRef>
-            <a:effectRef idx="0">
-              <a:schemeClr val="accent1"/>
-            </a:effectRef>
-            <a:fontRef idx="minor">
-              <a:schemeClr val="lt1"/>
-            </a:fontRef>
-          </p:style>
-        </p:cxnSp>
-        <p:cxnSp>
-          <p:nvCxnSpPr>
-            <p:cNvPr id="62" name="Straight Connector 61">
-              <a:extLst>
-                <a:ext uri="{FF2B5EF4-FFF2-40B4-BE49-F238E27FC236}">
-                  <a16:creationId xmlns:a16="http://schemas.microsoft.com/office/drawing/2014/main" id="{1B25583C-DB6D-8BEF-1758-6BBD46EB49FC}"/>
-                </a:ext>
-              </a:extLst>
-            </p:cNvPr>
-            <p:cNvCxnSpPr>
-              <a:cxnSpLocks/>
-            </p:cNvCxnSpPr>
-            <p:nvPr/>
-          </p:nvCxnSpPr>
-          <p:spPr>
-            <a:xfrm flipV="1">
-              <a:off x="6089671" y="1709261"/>
-              <a:ext cx="1710461" cy="1839574"/>
-            </a:xfrm>
-            <a:prstGeom prst="line">
-              <a:avLst/>
-            </a:prstGeom>
-            <a:effectLst>
-              <a:outerShdw blurRad="50800" dist="38100" dir="2700000" algn="tl" rotWithShape="0">
-                <a:prstClr val="black">
-                  <a:alpha val="40000"/>
-                </a:prstClr>
-              </a:outerShdw>
-            </a:effectLst>
-          </p:spPr>
-          <p:style>
-            <a:lnRef idx="2">
-              <a:schemeClr val="accent1">
-                <a:shade val="15000"/>
-              </a:schemeClr>
-            </a:lnRef>
-            <a:fillRef idx="1">
-              <a:schemeClr val="accent1"/>
-            </a:fillRef>
-            <a:effectRef idx="0">
-              <a:schemeClr val="accent1"/>
-            </a:effectRef>
-            <a:fontRef idx="minor">
-              <a:schemeClr val="lt1"/>
-            </a:fontRef>
-          </p:style>
-        </p:cxnSp>
-        <p:cxnSp>
-          <p:nvCxnSpPr>
-            <p:cNvPr id="63" name="Straight Connector 62">
-              <a:extLst>
-                <a:ext uri="{FF2B5EF4-FFF2-40B4-BE49-F238E27FC236}">
-                  <a16:creationId xmlns:a16="http://schemas.microsoft.com/office/drawing/2014/main" id="{4BF7BBE1-E83A-B3B6-E7A6-15DA26122B2E}"/>
-                </a:ext>
-              </a:extLst>
-            </p:cNvPr>
-            <p:cNvCxnSpPr>
-              <a:cxnSpLocks/>
-            </p:cNvCxnSpPr>
-            <p:nvPr/>
-          </p:nvCxnSpPr>
-          <p:spPr>
-            <a:xfrm flipV="1">
-              <a:off x="6087915" y="1512855"/>
-              <a:ext cx="1710461" cy="1839574"/>
-            </a:xfrm>
-            <a:prstGeom prst="line">
-              <a:avLst/>
-            </a:prstGeom>
-            <a:effectLst>
-              <a:outerShdw blurRad="50800" dist="38100" dir="2700000" algn="tl" rotWithShape="0">
-                <a:prstClr val="black">
-                  <a:alpha val="40000"/>
-                </a:prstClr>
-              </a:outerShdw>
-            </a:effectLst>
-          </p:spPr>
-          <p:style>
-            <a:lnRef idx="2">
-              <a:schemeClr val="accent1">
-                <a:shade val="15000"/>
-              </a:schemeClr>
-            </a:lnRef>
-            <a:fillRef idx="1">
-              <a:schemeClr val="accent1"/>
-            </a:fillRef>
-            <a:effectRef idx="0">
-              <a:schemeClr val="accent1"/>
-            </a:effectRef>
-            <a:fontRef idx="minor">
-              <a:schemeClr val="lt1"/>
-            </a:fontRef>
-          </p:style>
-        </p:cxnSp>
-        <p:sp>
-          <p:nvSpPr>
-            <p:cNvPr id="55" name="Rectangle 54">
-              <a:extLst>
-                <a:ext uri="{FF2B5EF4-FFF2-40B4-BE49-F238E27FC236}">
-                  <a16:creationId xmlns:a16="http://schemas.microsoft.com/office/drawing/2014/main" id="{0BB429A3-7CB3-29C2-EA2B-C47E09AB3A93}"/>
-                </a:ext>
-              </a:extLst>
-            </p:cNvPr>
-            <p:cNvSpPr/>
-            <p:nvPr/>
-          </p:nvSpPr>
-          <p:spPr>
-            <a:xfrm>
-              <a:off x="5908242" y="3353880"/>
-              <a:ext cx="177917" cy="190710"/>
-            </a:xfrm>
-            <a:prstGeom prst="rect">
-              <a:avLst/>
-            </a:prstGeom>
-            <a:effectLst>
-              <a:outerShdw blurRad="50800" dist="38100" dir="2700000" algn="tl" rotWithShape="0">
-                <a:prstClr val="black">
-                  <a:alpha val="40000"/>
-                </a:prstClr>
-              </a:outerShdw>
-            </a:effectLst>
-          </p:spPr>
-          <p:style>
-            <a:lnRef idx="2">
-              <a:schemeClr val="accent1">
-                <a:shade val="15000"/>
-              </a:schemeClr>
-            </a:lnRef>
-            <a:fillRef idx="1">
-              <a:schemeClr val="accent1"/>
-            </a:fillRef>
-            <a:effectRef idx="0">
-              <a:schemeClr val="accent1"/>
-            </a:effectRef>
-            <a:fontRef idx="minor">
-              <a:schemeClr val="lt1"/>
-            </a:fontRef>
-          </p:style>
-          <p:txBody>
-            <a:bodyPr rtlCol="0" anchor="ctr"/>
-            <a:lstStyle/>
-            <a:p>
-              <a:pPr algn="ctr"/>
-              <a:endParaRPr lang="en-US" sz="800">
-                <a:solidFill>
-                  <a:schemeClr val="tx1">
-                    <a:lumMod val="50000"/>
-                  </a:schemeClr>
-                </a:solidFill>
-              </a:endParaRPr>
-            </a:p>
-          </p:txBody>
-        </p:sp>
-      </p:grpSp>
-      <p:sp>
-        <p:nvSpPr>
-          <p:cNvPr id="1090" name="TextBox 1089">
-            <a:extLst>
-              <a:ext uri="{FF2B5EF4-FFF2-40B4-BE49-F238E27FC236}">
-                <a16:creationId xmlns:a16="http://schemas.microsoft.com/office/drawing/2014/main" id="{94C09769-4280-93A5-F83C-ACCD22A14650}"/>
+                <a16:creationId xmlns:a16="http://schemas.microsoft.com/office/drawing/2014/main" id="{96CCFA37-423A-CAAE-E6BB-E2C0E14E5DA7}"/>
               </a:ext>
             </a:extLst>
           </p:cNvPr>
@@ -36128,8 +35663,8 @@
         </p:nvSpPr>
         <p:spPr>
           <a:xfrm>
-            <a:off x="6200661" y="2889823"/>
-            <a:ext cx="1040237" cy="338554"/>
+            <a:off x="7439540" y="4144113"/>
+            <a:ext cx="1043508" cy="338554"/>
           </a:xfrm>
           <a:prstGeom prst="rect">
             <a:avLst/>
@@ -36169,10 +35704,10 @@
       </p:sp>
       <p:sp>
         <p:nvSpPr>
-          <p:cNvPr id="1095" name="TextBox 1094">
+          <p:cNvPr id="6" name="TextBox 5">
             <a:extLst>
               <a:ext uri="{FF2B5EF4-FFF2-40B4-BE49-F238E27FC236}">
-                <a16:creationId xmlns:a16="http://schemas.microsoft.com/office/drawing/2014/main" id="{F26EF989-FB6E-A235-F9ED-FAC6FBD2E2D7}"/>
+                <a16:creationId xmlns:a16="http://schemas.microsoft.com/office/drawing/2014/main" id="{A364C4EE-A91D-A632-61E3-DD53F70B9EA9}"/>
               </a:ext>
             </a:extLst>
           </p:cNvPr>
@@ -36181,51 +35716,8 @@
         </p:nvSpPr>
         <p:spPr>
           <a:xfrm>
-            <a:off x="1574705" y="3136119"/>
-            <a:ext cx="707309" cy="461665"/>
-          </a:xfrm>
-          <a:prstGeom prst="rect">
-            <a:avLst/>
-          </a:prstGeom>
-          <a:noFill/>
-        </p:spPr>
-        <p:txBody>
-          <a:bodyPr wrap="square">
-            <a:spAutoFit/>
-          </a:bodyPr>
-          <a:lstStyle/>
-          <a:p>
-            <a:pPr algn="ctr"/>
-            <a:r>
-              <a:rPr lang="en-US" sz="800" dirty="0"/>
-              <a:t>MAXPOOL    +</a:t>
-            </a:r>
-          </a:p>
-          <a:p>
-            <a:pPr algn="ctr"/>
-            <a:r>
-              <a:rPr lang="en-US" sz="800" dirty="0"/>
-              <a:t>FLATTEN</a:t>
-            </a:r>
-          </a:p>
-        </p:txBody>
-      </p:sp>
-      <p:sp>
-        <p:nvSpPr>
-          <p:cNvPr id="1096" name="TextBox 1095">
-            <a:extLst>
-              <a:ext uri="{FF2B5EF4-FFF2-40B4-BE49-F238E27FC236}">
-                <a16:creationId xmlns:a16="http://schemas.microsoft.com/office/drawing/2014/main" id="{D505810E-3994-9CBE-D5D0-0DE8901AECCB}"/>
-              </a:ext>
-            </a:extLst>
-          </p:cNvPr>
-          <p:cNvSpPr txBox="1"/>
-          <p:nvPr/>
-        </p:nvSpPr>
-        <p:spPr>
-          <a:xfrm>
-            <a:off x="3084934" y="1785746"/>
-            <a:ext cx="707309" cy="338554"/>
+            <a:off x="4526177" y="3115308"/>
+            <a:ext cx="661370" cy="315473"/>
           </a:xfrm>
           <a:prstGeom prst="rect">
             <a:avLst/>
@@ -36263,10 +35755,10 @@
       </p:sp>
       <p:sp>
         <p:nvSpPr>
-          <p:cNvPr id="1097" name="TextBox 1096">
+          <p:cNvPr id="7" name="TextBox 6">
             <a:extLst>
               <a:ext uri="{FF2B5EF4-FFF2-40B4-BE49-F238E27FC236}">
-                <a16:creationId xmlns:a16="http://schemas.microsoft.com/office/drawing/2014/main" id="{39D7170E-0D91-1F02-D074-0FE7C42F74C9}"/>
+                <a16:creationId xmlns:a16="http://schemas.microsoft.com/office/drawing/2014/main" id="{4DE071CB-3B66-C37E-75ED-ACBD2A714BC4}"/>
               </a:ext>
             </a:extLst>
           </p:cNvPr>
@@ -36275,8 +35767,8 @@
         </p:nvSpPr>
         <p:spPr>
           <a:xfrm>
-            <a:off x="5018041" y="1785746"/>
-            <a:ext cx="707309" cy="461665"/>
+            <a:off x="6333730" y="3115308"/>
+            <a:ext cx="661370" cy="430190"/>
           </a:xfrm>
           <a:prstGeom prst="rect">
             <a:avLst/>
@@ -36307,65 +35799,24 @@
       </p:sp>
       <p:cxnSp>
         <p:nvCxnSpPr>
-          <p:cNvPr id="1111" name="Straight Arrow Connector 1110">
+          <p:cNvPr id="9" name="Straight Arrow Connector 8">
             <a:extLst>
               <a:ext uri="{FF2B5EF4-FFF2-40B4-BE49-F238E27FC236}">
-                <a16:creationId xmlns:a16="http://schemas.microsoft.com/office/drawing/2014/main" id="{97E5150F-45B5-7AC6-A42C-13199C23EA97}"/>
+                <a16:creationId xmlns:a16="http://schemas.microsoft.com/office/drawing/2014/main" id="{06105BAB-1C81-84C2-0303-CA97AA5A716A}"/>
               </a:ext>
             </a:extLst>
           </p:cNvPr>
           <p:cNvCxnSpPr>
             <a:cxnSpLocks/>
+            <a:stCxn id="12" idx="6"/>
+            <a:endCxn id="21" idx="2"/>
           </p:cNvCxnSpPr>
           <p:nvPr/>
         </p:nvCxnSpPr>
         <p:spPr>
           <a:xfrm>
-            <a:off x="1071975" y="3111874"/>
-            <a:ext cx="1490120" cy="7943"/>
-          </a:xfrm>
-          <a:prstGeom prst="straightConnector1">
-            <a:avLst/>
-          </a:prstGeom>
-          <a:ln>
-            <a:tailEnd type="triangle"/>
-          </a:ln>
-        </p:spPr>
-        <p:style>
-          <a:lnRef idx="1">
-            <a:schemeClr val="dk1"/>
-          </a:lnRef>
-          <a:fillRef idx="0">
-            <a:schemeClr val="dk1"/>
-          </a:fillRef>
-          <a:effectRef idx="0">
-            <a:schemeClr val="dk1"/>
-          </a:effectRef>
-          <a:fontRef idx="minor">
-            <a:schemeClr val="tx1"/>
-          </a:fontRef>
-        </p:style>
-      </p:cxnSp>
-      <p:cxnSp>
-        <p:nvCxnSpPr>
-          <p:cNvPr id="1113" name="Straight Arrow Connector 1112">
-            <a:extLst>
-              <a:ext uri="{FF2B5EF4-FFF2-40B4-BE49-F238E27FC236}">
-                <a16:creationId xmlns:a16="http://schemas.microsoft.com/office/drawing/2014/main" id="{903EAD0C-9440-92FA-92C0-8F2FD29EC02F}"/>
-              </a:ext>
-            </a:extLst>
-          </p:cNvPr>
-          <p:cNvCxnSpPr>
-            <a:cxnSpLocks/>
-            <a:stCxn id="5" idx="6"/>
-            <a:endCxn id="12" idx="2"/>
-          </p:cNvCxnSpPr>
-          <p:nvPr/>
-        </p:nvCxnSpPr>
-        <p:spPr>
-          <a:xfrm>
-            <a:off x="3687743" y="3605582"/>
-            <a:ext cx="450182" cy="0"/>
+            <a:off x="5089835" y="4811073"/>
+            <a:ext cx="400870" cy="0"/>
           </a:xfrm>
           <a:prstGeom prst="straightConnector1">
             <a:avLst/>
@@ -36391,85 +35842,10 @@
       </p:cxnSp>
       <p:sp>
         <p:nvSpPr>
-          <p:cNvPr id="1118" name="TextBox 1117">
+          <p:cNvPr id="12" name="Oval 11">
             <a:extLst>
               <a:ext uri="{FF2B5EF4-FFF2-40B4-BE49-F238E27FC236}">
-                <a16:creationId xmlns:a16="http://schemas.microsoft.com/office/drawing/2014/main" id="{73EE3E82-747D-AFD1-7019-96B2709D2B31}"/>
-              </a:ext>
-            </a:extLst>
-          </p:cNvPr>
-          <p:cNvSpPr txBox="1"/>
-          <p:nvPr/>
-        </p:nvSpPr>
-        <p:spPr>
-          <a:xfrm>
-            <a:off x="578408" y="2030815"/>
-            <a:ext cx="707309" cy="338554"/>
-          </a:xfrm>
-          <a:prstGeom prst="rect">
-            <a:avLst/>
-          </a:prstGeom>
-          <a:noFill/>
-        </p:spPr>
-        <p:txBody>
-          <a:bodyPr wrap="square">
-            <a:spAutoFit/>
-          </a:bodyPr>
-          <a:lstStyle/>
-          <a:p>
-            <a:pPr algn="ctr"/>
-            <a:r>
-              <a:rPr lang="en-US" sz="800" dirty="0"/>
-              <a:t>Feature Maps 4</a:t>
-            </a:r>
-          </a:p>
-        </p:txBody>
-      </p:sp>
-      <p:sp>
-        <p:nvSpPr>
-          <p:cNvPr id="1123" name="TextBox 1122">
-            <a:extLst>
-              <a:ext uri="{FF2B5EF4-FFF2-40B4-BE49-F238E27FC236}">
-                <a16:creationId xmlns:a16="http://schemas.microsoft.com/office/drawing/2014/main" id="{BACFBDED-D3F8-705A-06EC-AB7839420D29}"/>
-              </a:ext>
-            </a:extLst>
-          </p:cNvPr>
-          <p:cNvSpPr txBox="1"/>
-          <p:nvPr/>
-        </p:nvSpPr>
-        <p:spPr>
-          <a:xfrm>
-            <a:off x="2180658" y="1213493"/>
-            <a:ext cx="5011283" cy="307777"/>
-          </a:xfrm>
-          <a:prstGeom prst="rect">
-            <a:avLst/>
-          </a:prstGeom>
-          <a:noFill/>
-        </p:spPr>
-        <p:txBody>
-          <a:bodyPr wrap="square">
-            <a:spAutoFit/>
-          </a:bodyPr>
-          <a:lstStyle/>
-          <a:p>
-            <a:pPr marL="0" indent="0">
-              <a:buFont typeface="Rosario"/>
-              <a:buNone/>
-            </a:pPr>
-            <a:r>
-              <a:rPr lang="en-US" sz="1400" b="1" u="sng" dirty="0"/>
-              <a:t>Classification Architecture: Fully Connected MLP Layers</a:t>
-            </a:r>
-          </a:p>
-        </p:txBody>
-      </p:sp>
-      <p:sp>
-        <p:nvSpPr>
-          <p:cNvPr id="5" name="Oval 4">
-            <a:extLst>
-              <a:ext uri="{FF2B5EF4-FFF2-40B4-BE49-F238E27FC236}">
-                <a16:creationId xmlns:a16="http://schemas.microsoft.com/office/drawing/2014/main" id="{8C428D3D-EF42-7A26-A0C8-C594AC032453}"/>
+                <a16:creationId xmlns:a16="http://schemas.microsoft.com/office/drawing/2014/main" id="{02A292B1-C8D4-24C9-653E-93F8A74080F8}"/>
               </a:ext>
             </a:extLst>
           </p:cNvPr>
@@ -36478,234 +35854,15 @@
         </p:nvSpPr>
         <p:spPr>
           <a:xfrm>
-            <a:off x="3170459" y="3408069"/>
-            <a:ext cx="517284" cy="395026"/>
+            <a:off x="4524309" y="4627026"/>
+            <a:ext cx="565526" cy="368094"/>
           </a:xfrm>
           <a:prstGeom prst="ellipse">
             <a:avLst/>
           </a:prstGeom>
-          <a:effectLst>
-            <a:outerShdw blurRad="50800" dist="38100" dir="2700000" algn="tl" rotWithShape="0">
-              <a:prstClr val="black">
-                <a:alpha val="40000"/>
-              </a:prstClr>
-            </a:outerShdw>
-          </a:effectLst>
-        </p:spPr>
-        <p:style>
-          <a:lnRef idx="2">
-            <a:schemeClr val="accent1">
-              <a:shade val="15000"/>
-            </a:schemeClr>
-          </a:lnRef>
-          <a:fillRef idx="1">
-            <a:schemeClr val="accent1"/>
-          </a:fillRef>
-          <a:effectRef idx="0">
-            <a:schemeClr val="accent1"/>
-          </a:effectRef>
-          <a:fontRef idx="minor">
-            <a:schemeClr val="lt1"/>
-          </a:fontRef>
-        </p:style>
-        <p:txBody>
-          <a:bodyPr rtlCol="0" anchor="ctr"/>
-          <a:lstStyle/>
-          <a:p>
-            <a:pPr algn="ctr"/>
-            <a:r>
-              <a:rPr lang="en-US" sz="800" dirty="0">
-                <a:solidFill>
-                  <a:schemeClr val="tx1">
-                    <a:lumMod val="50000"/>
-                  </a:schemeClr>
-                </a:solidFill>
-              </a:rPr>
-              <a:t>512</a:t>
-            </a:r>
-          </a:p>
-        </p:txBody>
-      </p:sp>
-      <p:sp>
-        <p:nvSpPr>
-          <p:cNvPr id="6" name="Oval 5">
-            <a:extLst>
-              <a:ext uri="{FF2B5EF4-FFF2-40B4-BE49-F238E27FC236}">
-                <a16:creationId xmlns:a16="http://schemas.microsoft.com/office/drawing/2014/main" id="{A9798905-9AB1-0B89-F162-DEC30640CB1D}"/>
-              </a:ext>
-            </a:extLst>
-          </p:cNvPr>
-          <p:cNvSpPr/>
-          <p:nvPr/>
-        </p:nvSpPr>
-        <p:spPr>
-          <a:xfrm>
-            <a:off x="3170459" y="2782641"/>
-            <a:ext cx="517284" cy="395026"/>
-          </a:xfrm>
-          <a:prstGeom prst="ellipse">
-            <a:avLst/>
-          </a:prstGeom>
-          <a:effectLst>
-            <a:outerShdw blurRad="50800" dist="38100" dir="2700000" algn="tl" rotWithShape="0">
-              <a:prstClr val="black">
-                <a:alpha val="40000"/>
-              </a:prstClr>
-            </a:outerShdw>
-          </a:effectLst>
-        </p:spPr>
-        <p:style>
-          <a:lnRef idx="2">
-            <a:schemeClr val="accent1">
-              <a:shade val="15000"/>
-            </a:schemeClr>
-          </a:lnRef>
-          <a:fillRef idx="1">
-            <a:schemeClr val="accent1"/>
-          </a:fillRef>
-          <a:effectRef idx="0">
-            <a:schemeClr val="accent1"/>
-          </a:effectRef>
-          <a:fontRef idx="minor">
-            <a:schemeClr val="lt1"/>
-          </a:fontRef>
-        </p:style>
-        <p:txBody>
-          <a:bodyPr rtlCol="0" anchor="ctr"/>
-          <a:lstStyle/>
-          <a:p>
-            <a:pPr algn="ctr"/>
-            <a:r>
-              <a:rPr lang="en-US" sz="800" dirty="0">
-                <a:solidFill>
-                  <a:schemeClr val="tx1">
-                    <a:lumMod val="50000"/>
-                  </a:schemeClr>
-                </a:solidFill>
-              </a:rPr>
-              <a:t>2</a:t>
-            </a:r>
-          </a:p>
-        </p:txBody>
-      </p:sp>
-      <p:sp>
-        <p:nvSpPr>
-          <p:cNvPr id="7" name="Oval 6">
-            <a:extLst>
-              <a:ext uri="{FF2B5EF4-FFF2-40B4-BE49-F238E27FC236}">
-                <a16:creationId xmlns:a16="http://schemas.microsoft.com/office/drawing/2014/main" id="{6C04DD2D-418C-DFB0-E9FB-B27E152A9086}"/>
-              </a:ext>
-            </a:extLst>
-          </p:cNvPr>
-          <p:cNvSpPr/>
-          <p:nvPr/>
-        </p:nvSpPr>
-        <p:spPr>
-          <a:xfrm>
-            <a:off x="3170459" y="2315105"/>
-            <a:ext cx="517284" cy="395026"/>
-          </a:xfrm>
-          <a:prstGeom prst="ellipse">
-            <a:avLst/>
-          </a:prstGeom>
-          <a:effectLst>
-            <a:outerShdw blurRad="50800" dist="38100" dir="2700000" algn="tl" rotWithShape="0">
-              <a:prstClr val="black">
-                <a:alpha val="40000"/>
-              </a:prstClr>
-            </a:outerShdw>
-          </a:effectLst>
-        </p:spPr>
-        <p:style>
-          <a:lnRef idx="2">
-            <a:schemeClr val="accent1">
-              <a:shade val="15000"/>
-            </a:schemeClr>
-          </a:lnRef>
-          <a:fillRef idx="1">
-            <a:schemeClr val="accent1"/>
-          </a:fillRef>
-          <a:effectRef idx="0">
-            <a:schemeClr val="accent1"/>
-          </a:effectRef>
-          <a:fontRef idx="minor">
-            <a:schemeClr val="lt1"/>
-          </a:fontRef>
-        </p:style>
-        <p:txBody>
-          <a:bodyPr rtlCol="0" anchor="ctr"/>
-          <a:lstStyle/>
-          <a:p>
-            <a:pPr algn="ctr"/>
-            <a:r>
-              <a:rPr lang="en-US" sz="800" dirty="0">
-                <a:solidFill>
-                  <a:schemeClr val="tx1">
-                    <a:lumMod val="50000"/>
-                  </a:schemeClr>
-                </a:solidFill>
-              </a:rPr>
-              <a:t>1</a:t>
-            </a:r>
-          </a:p>
-        </p:txBody>
-      </p:sp>
-      <p:sp>
-        <p:nvSpPr>
-          <p:cNvPr id="9" name="TextBox 8">
-            <a:extLst>
-              <a:ext uri="{FF2B5EF4-FFF2-40B4-BE49-F238E27FC236}">
-                <a16:creationId xmlns:a16="http://schemas.microsoft.com/office/drawing/2014/main" id="{BA20B50A-031C-BD57-C942-0626C5EC0231}"/>
-              </a:ext>
-            </a:extLst>
-          </p:cNvPr>
-          <p:cNvSpPr txBox="1"/>
-          <p:nvPr/>
-        </p:nvSpPr>
-        <p:spPr>
-          <a:xfrm>
-            <a:off x="3246550" y="3096288"/>
-            <a:ext cx="363885" cy="307777"/>
-          </a:xfrm>
-          <a:prstGeom prst="rect">
-            <a:avLst/>
-          </a:prstGeom>
-          <a:noFill/>
-        </p:spPr>
-        <p:txBody>
-          <a:bodyPr wrap="square">
-            <a:spAutoFit/>
-          </a:bodyPr>
-          <a:lstStyle/>
-          <a:p>
-            <a:r>
-              <a:rPr lang="en-US" sz="1400" dirty="0"/>
-              <a:t>…</a:t>
-            </a:r>
-            <a:endParaRPr lang="en-US" dirty="0"/>
-          </a:p>
-        </p:txBody>
-      </p:sp>
-      <p:sp>
-        <p:nvSpPr>
-          <p:cNvPr id="12" name="Oval 11">
-            <a:extLst>
-              <a:ext uri="{FF2B5EF4-FFF2-40B4-BE49-F238E27FC236}">
-                <a16:creationId xmlns:a16="http://schemas.microsoft.com/office/drawing/2014/main" id="{FBBAD957-4C7B-4322-5524-459E31C0AC4D}"/>
-              </a:ext>
-            </a:extLst>
-          </p:cNvPr>
-          <p:cNvSpPr/>
-          <p:nvPr/>
-        </p:nvSpPr>
-        <p:spPr>
-          <a:xfrm>
-            <a:off x="4137925" y="3408069"/>
-            <a:ext cx="517284" cy="395026"/>
-          </a:xfrm>
-          <a:prstGeom prst="ellipse">
-            <a:avLst/>
-          </a:prstGeom>
+          <a:solidFill>
+            <a:srgbClr val="92D050"/>
+          </a:solidFill>
           <a:effectLst>
             <a:outerShdw blurRad="50800" dist="38100" dir="2700000" algn="tl" rotWithShape="0">
               <a:prstClr val="black">
@@ -36753,7 +35910,7 @@
           <p:cNvPr id="13" name="Oval 12">
             <a:extLst>
               <a:ext uri="{FF2B5EF4-FFF2-40B4-BE49-F238E27FC236}">
-                <a16:creationId xmlns:a16="http://schemas.microsoft.com/office/drawing/2014/main" id="{9BD59A9C-3F2F-1239-0353-B43B58DE8121}"/>
+                <a16:creationId xmlns:a16="http://schemas.microsoft.com/office/drawing/2014/main" id="{4C2AD647-BC85-7410-D408-586A7C83A5B4}"/>
               </a:ext>
             </a:extLst>
           </p:cNvPr>
@@ -36762,12 +35919,15 @@
         </p:nvSpPr>
         <p:spPr>
           <a:xfrm>
-            <a:off x="4137925" y="2782641"/>
-            <a:ext cx="517284" cy="395026"/>
+            <a:off x="4606147" y="4044238"/>
+            <a:ext cx="483687" cy="368094"/>
           </a:xfrm>
           <a:prstGeom prst="ellipse">
             <a:avLst/>
           </a:prstGeom>
+          <a:solidFill>
+            <a:srgbClr val="92D050"/>
+          </a:solidFill>
           <a:effectLst>
             <a:outerShdw blurRad="50800" dist="38100" dir="2700000" algn="tl" rotWithShape="0">
               <a:prstClr val="black">
@@ -36815,7 +35975,7 @@
           <p:cNvPr id="15" name="Oval 14">
             <a:extLst>
               <a:ext uri="{FF2B5EF4-FFF2-40B4-BE49-F238E27FC236}">
-                <a16:creationId xmlns:a16="http://schemas.microsoft.com/office/drawing/2014/main" id="{FDA52267-86B0-6F13-872A-E8721D799F75}"/>
+                <a16:creationId xmlns:a16="http://schemas.microsoft.com/office/drawing/2014/main" id="{BDA9327F-DCC3-D71A-1FF5-39CC2F208CED}"/>
               </a:ext>
             </a:extLst>
           </p:cNvPr>
@@ -36824,12 +35984,15 @@
         </p:nvSpPr>
         <p:spPr>
           <a:xfrm>
-            <a:off x="4137925" y="2315105"/>
-            <a:ext cx="517284" cy="395026"/>
+            <a:off x="4606147" y="3608577"/>
+            <a:ext cx="483687" cy="368094"/>
           </a:xfrm>
           <a:prstGeom prst="ellipse">
             <a:avLst/>
           </a:prstGeom>
+          <a:solidFill>
+            <a:srgbClr val="92D050"/>
+          </a:solidFill>
           <a:effectLst>
             <a:outerShdw blurRad="50800" dist="38100" dir="2700000" algn="tl" rotWithShape="0">
               <a:prstClr val="black">
@@ -36874,10 +36037,46 @@
       </p:sp>
       <p:sp>
         <p:nvSpPr>
-          <p:cNvPr id="16" name="Oval 15">
+          <p:cNvPr id="16" name="TextBox 15">
             <a:extLst>
               <a:ext uri="{FF2B5EF4-FFF2-40B4-BE49-F238E27FC236}">
-                <a16:creationId xmlns:a16="http://schemas.microsoft.com/office/drawing/2014/main" id="{A5FC0344-7D3C-8604-62A8-BBF79275297F}"/>
+                <a16:creationId xmlns:a16="http://schemas.microsoft.com/office/drawing/2014/main" id="{EE542FC3-598E-C546-4669-584F3219E999}"/>
+              </a:ext>
+            </a:extLst>
+          </p:cNvPr>
+          <p:cNvSpPr txBox="1"/>
+          <p:nvPr/>
+        </p:nvSpPr>
+        <p:spPr>
+          <a:xfrm>
+            <a:off x="4677296" y="4336502"/>
+            <a:ext cx="340251" cy="286794"/>
+          </a:xfrm>
+          <a:prstGeom prst="rect">
+            <a:avLst/>
+          </a:prstGeom>
+          <a:noFill/>
+        </p:spPr>
+        <p:txBody>
+          <a:bodyPr wrap="square">
+            <a:spAutoFit/>
+          </a:bodyPr>
+          <a:lstStyle/>
+          <a:p>
+            <a:r>
+              <a:rPr lang="en-US" sz="1400" dirty="0"/>
+              <a:t>…</a:t>
+            </a:r>
+            <a:endParaRPr lang="en-US" dirty="0"/>
+          </a:p>
+        </p:txBody>
+      </p:sp>
+      <p:sp>
+        <p:nvSpPr>
+          <p:cNvPr id="21" name="Oval 20">
+            <a:extLst>
+              <a:ext uri="{FF2B5EF4-FFF2-40B4-BE49-F238E27FC236}">
+                <a16:creationId xmlns:a16="http://schemas.microsoft.com/office/drawing/2014/main" id="{86B289FE-BC1B-591B-9B45-AAEBBB625159}"/>
               </a:ext>
             </a:extLst>
           </p:cNvPr>
@@ -36886,12 +36085,210 @@
         </p:nvSpPr>
         <p:spPr>
           <a:xfrm>
-            <a:off x="5113054" y="3408069"/>
-            <a:ext cx="517284" cy="395026"/>
+            <a:off x="5490705" y="4627026"/>
+            <a:ext cx="503760" cy="368094"/>
           </a:xfrm>
           <a:prstGeom prst="ellipse">
             <a:avLst/>
           </a:prstGeom>
+          <a:solidFill>
+            <a:srgbClr val="92D050"/>
+          </a:solidFill>
+          <a:effectLst>
+            <a:outerShdw blurRad="50800" dist="38100" dir="2700000" algn="tl" rotWithShape="0">
+              <a:prstClr val="black">
+                <a:alpha val="40000"/>
+              </a:prstClr>
+            </a:outerShdw>
+          </a:effectLst>
+        </p:spPr>
+        <p:style>
+          <a:lnRef idx="2">
+            <a:schemeClr val="accent1">
+              <a:shade val="15000"/>
+            </a:schemeClr>
+          </a:lnRef>
+          <a:fillRef idx="1">
+            <a:schemeClr val="accent1"/>
+          </a:fillRef>
+          <a:effectRef idx="0">
+            <a:schemeClr val="accent1"/>
+          </a:effectRef>
+          <a:fontRef idx="minor">
+            <a:schemeClr val="lt1"/>
+          </a:fontRef>
+        </p:style>
+        <p:txBody>
+          <a:bodyPr rtlCol="0" anchor="ctr"/>
+          <a:lstStyle/>
+          <a:p>
+            <a:pPr algn="ctr"/>
+            <a:r>
+              <a:rPr lang="en-US" sz="800" dirty="0">
+                <a:solidFill>
+                  <a:schemeClr val="tx1">
+                    <a:lumMod val="50000"/>
+                  </a:schemeClr>
+                </a:solidFill>
+              </a:rPr>
+              <a:t>512</a:t>
+            </a:r>
+          </a:p>
+        </p:txBody>
+      </p:sp>
+      <p:sp>
+        <p:nvSpPr>
+          <p:cNvPr id="24" name="Oval 23">
+            <a:extLst>
+              <a:ext uri="{FF2B5EF4-FFF2-40B4-BE49-F238E27FC236}">
+                <a16:creationId xmlns:a16="http://schemas.microsoft.com/office/drawing/2014/main" id="{600F56BC-778D-4854-EDCE-C56C3B910707}"/>
+              </a:ext>
+            </a:extLst>
+          </p:cNvPr>
+          <p:cNvSpPr/>
+          <p:nvPr/>
+        </p:nvSpPr>
+        <p:spPr>
+          <a:xfrm>
+            <a:off x="5510777" y="4044238"/>
+            <a:ext cx="483687" cy="368094"/>
+          </a:xfrm>
+          <a:prstGeom prst="ellipse">
+            <a:avLst/>
+          </a:prstGeom>
+          <a:solidFill>
+            <a:srgbClr val="92D050"/>
+          </a:solidFill>
+          <a:effectLst>
+            <a:outerShdw blurRad="50800" dist="38100" dir="2700000" algn="tl" rotWithShape="0">
+              <a:prstClr val="black">
+                <a:alpha val="40000"/>
+              </a:prstClr>
+            </a:outerShdw>
+          </a:effectLst>
+        </p:spPr>
+        <p:style>
+          <a:lnRef idx="2">
+            <a:schemeClr val="accent1">
+              <a:shade val="15000"/>
+            </a:schemeClr>
+          </a:lnRef>
+          <a:fillRef idx="1">
+            <a:schemeClr val="accent1"/>
+          </a:fillRef>
+          <a:effectRef idx="0">
+            <a:schemeClr val="accent1"/>
+          </a:effectRef>
+          <a:fontRef idx="minor">
+            <a:schemeClr val="lt1"/>
+          </a:fontRef>
+        </p:style>
+        <p:txBody>
+          <a:bodyPr rtlCol="0" anchor="ctr"/>
+          <a:lstStyle/>
+          <a:p>
+            <a:pPr algn="ctr"/>
+            <a:r>
+              <a:rPr lang="en-US" sz="800" dirty="0">
+                <a:solidFill>
+                  <a:schemeClr val="tx1">
+                    <a:lumMod val="50000"/>
+                  </a:schemeClr>
+                </a:solidFill>
+              </a:rPr>
+              <a:t>2</a:t>
+            </a:r>
+          </a:p>
+        </p:txBody>
+      </p:sp>
+      <p:sp>
+        <p:nvSpPr>
+          <p:cNvPr id="26" name="Oval 25">
+            <a:extLst>
+              <a:ext uri="{FF2B5EF4-FFF2-40B4-BE49-F238E27FC236}">
+                <a16:creationId xmlns:a16="http://schemas.microsoft.com/office/drawing/2014/main" id="{B2CC366C-3ED9-6EBB-1484-07CEE782BA7B}"/>
+              </a:ext>
+            </a:extLst>
+          </p:cNvPr>
+          <p:cNvSpPr/>
+          <p:nvPr/>
+        </p:nvSpPr>
+        <p:spPr>
+          <a:xfrm>
+            <a:off x="5510777" y="3608577"/>
+            <a:ext cx="483687" cy="368094"/>
+          </a:xfrm>
+          <a:prstGeom prst="ellipse">
+            <a:avLst/>
+          </a:prstGeom>
+          <a:solidFill>
+            <a:srgbClr val="92D050"/>
+          </a:solidFill>
+          <a:effectLst>
+            <a:outerShdw blurRad="50800" dist="38100" dir="2700000" algn="tl" rotWithShape="0">
+              <a:prstClr val="black">
+                <a:alpha val="40000"/>
+              </a:prstClr>
+            </a:outerShdw>
+          </a:effectLst>
+        </p:spPr>
+        <p:style>
+          <a:lnRef idx="2">
+            <a:schemeClr val="accent1">
+              <a:shade val="15000"/>
+            </a:schemeClr>
+          </a:lnRef>
+          <a:fillRef idx="1">
+            <a:schemeClr val="accent1"/>
+          </a:fillRef>
+          <a:effectRef idx="0">
+            <a:schemeClr val="accent1"/>
+          </a:effectRef>
+          <a:fontRef idx="minor">
+            <a:schemeClr val="lt1"/>
+          </a:fontRef>
+        </p:style>
+        <p:txBody>
+          <a:bodyPr rtlCol="0" anchor="ctr"/>
+          <a:lstStyle/>
+          <a:p>
+            <a:pPr algn="ctr"/>
+            <a:r>
+              <a:rPr lang="en-US" sz="800" dirty="0">
+                <a:solidFill>
+                  <a:schemeClr val="tx1">
+                    <a:lumMod val="50000"/>
+                  </a:schemeClr>
+                </a:solidFill>
+              </a:rPr>
+              <a:t>1</a:t>
+            </a:r>
+          </a:p>
+        </p:txBody>
+      </p:sp>
+      <p:sp>
+        <p:nvSpPr>
+          <p:cNvPr id="27" name="Oval 26">
+            <a:extLst>
+              <a:ext uri="{FF2B5EF4-FFF2-40B4-BE49-F238E27FC236}">
+                <a16:creationId xmlns:a16="http://schemas.microsoft.com/office/drawing/2014/main" id="{3F937686-B21F-8CA6-EB30-1DF430C2A2C4}"/>
+              </a:ext>
+            </a:extLst>
+          </p:cNvPr>
+          <p:cNvSpPr/>
+          <p:nvPr/>
+        </p:nvSpPr>
+        <p:spPr>
+          <a:xfrm>
+            <a:off x="6422572" y="4627026"/>
+            <a:ext cx="483687" cy="368094"/>
+          </a:xfrm>
+          <a:prstGeom prst="ellipse">
+            <a:avLst/>
+          </a:prstGeom>
+          <a:solidFill>
+            <a:srgbClr val="92D050"/>
+          </a:solidFill>
           <a:effectLst>
             <a:outerShdw blurRad="50800" dist="38100" dir="2700000" algn="tl" rotWithShape="0">
               <a:prstClr val="black">
@@ -36936,10 +36333,10 @@
       </p:sp>
       <p:sp>
         <p:nvSpPr>
-          <p:cNvPr id="21" name="Oval 20">
+          <p:cNvPr id="29" name="Oval 28">
             <a:extLst>
               <a:ext uri="{FF2B5EF4-FFF2-40B4-BE49-F238E27FC236}">
-                <a16:creationId xmlns:a16="http://schemas.microsoft.com/office/drawing/2014/main" id="{CC092D79-A29B-89DB-5652-BF4397479818}"/>
+                <a16:creationId xmlns:a16="http://schemas.microsoft.com/office/drawing/2014/main" id="{B24108C0-FC57-C8E2-809A-31C6F64CCB3B}"/>
               </a:ext>
             </a:extLst>
           </p:cNvPr>
@@ -36948,12 +36345,15 @@
         </p:nvSpPr>
         <p:spPr>
           <a:xfrm>
-            <a:off x="5113054" y="2782641"/>
-            <a:ext cx="517284" cy="395026"/>
+            <a:off x="6422572" y="4044238"/>
+            <a:ext cx="483687" cy="368094"/>
           </a:xfrm>
           <a:prstGeom prst="ellipse">
             <a:avLst/>
           </a:prstGeom>
+          <a:solidFill>
+            <a:srgbClr val="92D050"/>
+          </a:solidFill>
           <a:effectLst>
             <a:outerShdw blurRad="50800" dist="38100" dir="2700000" algn="tl" rotWithShape="0">
               <a:prstClr val="black">
@@ -36998,10 +36398,10 @@
       </p:sp>
       <p:sp>
         <p:nvSpPr>
-          <p:cNvPr id="24" name="Oval 23">
+          <p:cNvPr id="31" name="Oval 30">
             <a:extLst>
               <a:ext uri="{FF2B5EF4-FFF2-40B4-BE49-F238E27FC236}">
-                <a16:creationId xmlns:a16="http://schemas.microsoft.com/office/drawing/2014/main" id="{EE537C81-7ADD-C94D-3564-8BB5D4D371CB}"/>
+                <a16:creationId xmlns:a16="http://schemas.microsoft.com/office/drawing/2014/main" id="{249BFEF9-FCDE-98DB-802E-23E08B066A2D}"/>
               </a:ext>
             </a:extLst>
           </p:cNvPr>
@@ -37010,12 +36410,15 @@
         </p:nvSpPr>
         <p:spPr>
           <a:xfrm>
-            <a:off x="5113054" y="2315105"/>
-            <a:ext cx="517284" cy="395026"/>
+            <a:off x="6422572" y="3608577"/>
+            <a:ext cx="483687" cy="368094"/>
           </a:xfrm>
           <a:prstGeom prst="ellipse">
             <a:avLst/>
           </a:prstGeom>
+          <a:solidFill>
+            <a:srgbClr val="92D050"/>
+          </a:solidFill>
           <a:effectLst>
             <a:outerShdw blurRad="50800" dist="38100" dir="2700000" algn="tl" rotWithShape="0">
               <a:prstClr val="black">
@@ -37060,10 +36463,10 @@
       </p:sp>
       <p:sp>
         <p:nvSpPr>
-          <p:cNvPr id="26" name="TextBox 25">
+          <p:cNvPr id="32" name="TextBox 31">
             <a:extLst>
               <a:ext uri="{FF2B5EF4-FFF2-40B4-BE49-F238E27FC236}">
-                <a16:creationId xmlns:a16="http://schemas.microsoft.com/office/drawing/2014/main" id="{6F01FB40-55B3-8A88-D7EA-B462B50F20C5}"/>
+                <a16:creationId xmlns:a16="http://schemas.microsoft.com/office/drawing/2014/main" id="{A7814123-8F01-B5EB-F126-6132DF21C35B}"/>
               </a:ext>
             </a:extLst>
           </p:cNvPr>
@@ -37072,8 +36475,8 @@
         </p:nvSpPr>
         <p:spPr>
           <a:xfrm>
-            <a:off x="4031205" y="1785746"/>
-            <a:ext cx="707309" cy="461665"/>
+            <a:off x="5410988" y="3115308"/>
+            <a:ext cx="661370" cy="430190"/>
           </a:xfrm>
           <a:prstGeom prst="rect">
             <a:avLst/>
@@ -37111,24 +36514,24 @@
       </p:sp>
       <p:cxnSp>
         <p:nvCxnSpPr>
-          <p:cNvPr id="31" name="Straight Arrow Connector 30">
+          <p:cNvPr id="33" name="Straight Arrow Connector 32">
             <a:extLst>
               <a:ext uri="{FF2B5EF4-FFF2-40B4-BE49-F238E27FC236}">
-                <a16:creationId xmlns:a16="http://schemas.microsoft.com/office/drawing/2014/main" id="{BA0336F5-D5F1-10D5-D0F6-28080A1B32C6}"/>
+                <a16:creationId xmlns:a16="http://schemas.microsoft.com/office/drawing/2014/main" id="{8A3DCA83-EB5F-8B26-1898-43A7DD7E6803}"/>
               </a:ext>
             </a:extLst>
           </p:cNvPr>
           <p:cNvCxnSpPr>
             <a:cxnSpLocks/>
-            <a:stCxn id="5" idx="7"/>
-            <a:endCxn id="13" idx="3"/>
+            <a:stCxn id="12" idx="7"/>
+            <a:endCxn id="24" idx="3"/>
           </p:cNvCxnSpPr>
           <p:nvPr/>
         </p:nvCxnSpPr>
         <p:spPr>
           <a:xfrm flipV="1">
-            <a:off x="3611989" y="3119817"/>
-            <a:ext cx="601690" cy="346102"/>
+            <a:off x="5007016" y="4358426"/>
+            <a:ext cx="574595" cy="322506"/>
           </a:xfrm>
           <a:prstGeom prst="straightConnector1">
             <a:avLst/>
@@ -37157,21 +36560,107 @@
           <p:cNvPr id="34" name="Straight Arrow Connector 33">
             <a:extLst>
               <a:ext uri="{FF2B5EF4-FFF2-40B4-BE49-F238E27FC236}">
-                <a16:creationId xmlns:a16="http://schemas.microsoft.com/office/drawing/2014/main" id="{74BA4BD0-122C-EDF8-FC99-AD7043F9CBD1}"/>
+                <a16:creationId xmlns:a16="http://schemas.microsoft.com/office/drawing/2014/main" id="{2E4B4AA2-171B-7E29-89A4-D10158DC96D8}"/>
               </a:ext>
             </a:extLst>
           </p:cNvPr>
           <p:cNvCxnSpPr>
             <a:cxnSpLocks/>
-            <a:stCxn id="5" idx="7"/>
-            <a:endCxn id="15" idx="3"/>
+            <a:stCxn id="12" idx="7"/>
+            <a:endCxn id="26" idx="3"/>
           </p:cNvCxnSpPr>
           <p:nvPr/>
         </p:nvCxnSpPr>
         <p:spPr>
           <a:xfrm flipV="1">
-            <a:off x="3611989" y="2652281"/>
-            <a:ext cx="601690" cy="813638"/>
+            <a:off x="5007016" y="3922765"/>
+            <a:ext cx="574595" cy="758167"/>
+          </a:xfrm>
+          <a:prstGeom prst="straightConnector1">
+            <a:avLst/>
+          </a:prstGeom>
+          <a:ln>
+            <a:tailEnd type="triangle"/>
+          </a:ln>
+        </p:spPr>
+        <p:style>
+          <a:lnRef idx="1">
+            <a:schemeClr val="dk1"/>
+          </a:lnRef>
+          <a:fillRef idx="0">
+            <a:schemeClr val="dk1"/>
+          </a:fillRef>
+          <a:effectRef idx="0">
+            <a:schemeClr val="dk1"/>
+          </a:effectRef>
+          <a:fontRef idx="minor">
+            <a:schemeClr val="tx1"/>
+          </a:fontRef>
+        </p:style>
+      </p:cxnSp>
+      <p:cxnSp>
+        <p:nvCxnSpPr>
+          <p:cNvPr id="35" name="Straight Arrow Connector 34">
+            <a:extLst>
+              <a:ext uri="{FF2B5EF4-FFF2-40B4-BE49-F238E27FC236}">
+                <a16:creationId xmlns:a16="http://schemas.microsoft.com/office/drawing/2014/main" id="{E9229A79-32F6-0AED-8D60-647A7FA7DFE2}"/>
+              </a:ext>
+            </a:extLst>
+          </p:cNvPr>
+          <p:cNvCxnSpPr>
+            <a:cxnSpLocks/>
+            <a:stCxn id="13" idx="5"/>
+            <a:endCxn id="21" idx="1"/>
+          </p:cNvCxnSpPr>
+          <p:nvPr/>
+        </p:nvCxnSpPr>
+        <p:spPr>
+          <a:xfrm>
+            <a:off x="5019000" y="4358426"/>
+            <a:ext cx="545479" cy="322506"/>
+          </a:xfrm>
+          <a:prstGeom prst="straightConnector1">
+            <a:avLst/>
+          </a:prstGeom>
+          <a:ln>
+            <a:tailEnd type="triangle"/>
+          </a:ln>
+        </p:spPr>
+        <p:style>
+          <a:lnRef idx="1">
+            <a:schemeClr val="dk1"/>
+          </a:lnRef>
+          <a:fillRef idx="0">
+            <a:schemeClr val="dk1"/>
+          </a:fillRef>
+          <a:effectRef idx="0">
+            <a:schemeClr val="dk1"/>
+          </a:effectRef>
+          <a:fontRef idx="minor">
+            <a:schemeClr val="tx1"/>
+          </a:fontRef>
+        </p:style>
+      </p:cxnSp>
+      <p:cxnSp>
+        <p:nvCxnSpPr>
+          <p:cNvPr id="36" name="Straight Arrow Connector 35">
+            <a:extLst>
+              <a:ext uri="{FF2B5EF4-FFF2-40B4-BE49-F238E27FC236}">
+                <a16:creationId xmlns:a16="http://schemas.microsoft.com/office/drawing/2014/main" id="{BB538CC6-8429-FB2D-BD75-D1FC53F9C7BA}"/>
+              </a:ext>
+            </a:extLst>
+          </p:cNvPr>
+          <p:cNvCxnSpPr>
+            <a:cxnSpLocks/>
+            <a:stCxn id="13" idx="6"/>
+            <a:endCxn id="24" idx="2"/>
+          </p:cNvCxnSpPr>
+          <p:nvPr/>
+        </p:nvCxnSpPr>
+        <p:spPr>
+          <a:xfrm>
+            <a:off x="5089834" y="4228285"/>
+            <a:ext cx="420943" cy="0"/>
           </a:xfrm>
           <a:prstGeom prst="straightConnector1">
             <a:avLst/>
@@ -37200,21 +36689,107 @@
           <p:cNvPr id="41" name="Straight Arrow Connector 40">
             <a:extLst>
               <a:ext uri="{FF2B5EF4-FFF2-40B4-BE49-F238E27FC236}">
-                <a16:creationId xmlns:a16="http://schemas.microsoft.com/office/drawing/2014/main" id="{9802757C-7CC1-2041-953B-1EF8E1DD9042}"/>
+                <a16:creationId xmlns:a16="http://schemas.microsoft.com/office/drawing/2014/main" id="{529693CB-5CF0-ADE3-DF97-15D416732CED}"/>
               </a:ext>
             </a:extLst>
           </p:cNvPr>
           <p:cNvCxnSpPr>
             <a:cxnSpLocks/>
-            <a:stCxn id="6" idx="5"/>
-            <a:endCxn id="12" idx="1"/>
+            <a:stCxn id="13" idx="7"/>
+            <a:endCxn id="26" idx="2"/>
+          </p:cNvCxnSpPr>
+          <p:nvPr/>
+        </p:nvCxnSpPr>
+        <p:spPr>
+          <a:xfrm flipV="1">
+            <a:off x="5019000" y="3792624"/>
+            <a:ext cx="491777" cy="305520"/>
+          </a:xfrm>
+          <a:prstGeom prst="straightConnector1">
+            <a:avLst/>
+          </a:prstGeom>
+          <a:ln>
+            <a:tailEnd type="triangle"/>
+          </a:ln>
+        </p:spPr>
+        <p:style>
+          <a:lnRef idx="1">
+            <a:schemeClr val="dk1"/>
+          </a:lnRef>
+          <a:fillRef idx="0">
+            <a:schemeClr val="dk1"/>
+          </a:fillRef>
+          <a:effectRef idx="0">
+            <a:schemeClr val="dk1"/>
+          </a:effectRef>
+          <a:fontRef idx="minor">
+            <a:schemeClr val="tx1"/>
+          </a:fontRef>
+        </p:style>
+      </p:cxnSp>
+      <p:cxnSp>
+        <p:nvCxnSpPr>
+          <p:cNvPr id="43" name="Straight Arrow Connector 42">
+            <a:extLst>
+              <a:ext uri="{FF2B5EF4-FFF2-40B4-BE49-F238E27FC236}">
+                <a16:creationId xmlns:a16="http://schemas.microsoft.com/office/drawing/2014/main" id="{5AE792C9-D149-ED70-505D-102728874CF5}"/>
+              </a:ext>
+            </a:extLst>
+          </p:cNvPr>
+          <p:cNvCxnSpPr>
+            <a:cxnSpLocks/>
+            <a:stCxn id="15" idx="5"/>
+            <a:endCxn id="21" idx="1"/>
           </p:cNvCxnSpPr>
           <p:nvPr/>
         </p:nvCxnSpPr>
         <p:spPr>
           <a:xfrm>
-            <a:off x="3611989" y="3119817"/>
-            <a:ext cx="601690" cy="346102"/>
+            <a:off x="5019000" y="3922765"/>
+            <a:ext cx="545479" cy="758167"/>
+          </a:xfrm>
+          <a:prstGeom prst="straightConnector1">
+            <a:avLst/>
+          </a:prstGeom>
+          <a:ln>
+            <a:tailEnd type="triangle"/>
+          </a:ln>
+        </p:spPr>
+        <p:style>
+          <a:lnRef idx="1">
+            <a:schemeClr val="dk1"/>
+          </a:lnRef>
+          <a:fillRef idx="0">
+            <a:schemeClr val="dk1"/>
+          </a:fillRef>
+          <a:effectRef idx="0">
+            <a:schemeClr val="dk1"/>
+          </a:effectRef>
+          <a:fontRef idx="minor">
+            <a:schemeClr val="tx1"/>
+          </a:fontRef>
+        </p:style>
+      </p:cxnSp>
+      <p:cxnSp>
+        <p:nvCxnSpPr>
+          <p:cNvPr id="45" name="Straight Arrow Connector 44">
+            <a:extLst>
+              <a:ext uri="{FF2B5EF4-FFF2-40B4-BE49-F238E27FC236}">
+                <a16:creationId xmlns:a16="http://schemas.microsoft.com/office/drawing/2014/main" id="{D9584233-CCA8-E464-710D-0BB6EC15A89B}"/>
+              </a:ext>
+            </a:extLst>
+          </p:cNvPr>
+          <p:cNvCxnSpPr>
+            <a:cxnSpLocks/>
+            <a:stCxn id="15" idx="6"/>
+            <a:endCxn id="24" idx="1"/>
+          </p:cNvCxnSpPr>
+          <p:nvPr/>
+        </p:nvCxnSpPr>
+        <p:spPr>
+          <a:xfrm>
+            <a:off x="5089834" y="3792624"/>
+            <a:ext cx="491777" cy="305520"/>
           </a:xfrm>
           <a:prstGeom prst="straightConnector1">
             <a:avLst/>
@@ -37243,21 +36818,107 @@
           <p:cNvPr id="47" name="Straight Arrow Connector 46">
             <a:extLst>
               <a:ext uri="{FF2B5EF4-FFF2-40B4-BE49-F238E27FC236}">
-                <a16:creationId xmlns:a16="http://schemas.microsoft.com/office/drawing/2014/main" id="{BAD65E0C-6849-9194-A307-D4D89AC520E5}"/>
+                <a16:creationId xmlns:a16="http://schemas.microsoft.com/office/drawing/2014/main" id="{E929895E-FB14-BEB9-D16F-1664A1DA2AFD}"/>
               </a:ext>
             </a:extLst>
           </p:cNvPr>
           <p:cNvCxnSpPr>
             <a:cxnSpLocks/>
-            <a:stCxn id="6" idx="6"/>
-            <a:endCxn id="13" idx="2"/>
+            <a:stCxn id="15" idx="6"/>
+            <a:endCxn id="26" idx="2"/>
           </p:cNvCxnSpPr>
           <p:nvPr/>
         </p:nvCxnSpPr>
         <p:spPr>
           <a:xfrm>
-            <a:off x="3687743" y="2980154"/>
-            <a:ext cx="450182" cy="0"/>
+            <a:off x="5089834" y="3792624"/>
+            <a:ext cx="420943" cy="0"/>
+          </a:xfrm>
+          <a:prstGeom prst="straightConnector1">
+            <a:avLst/>
+          </a:prstGeom>
+          <a:ln>
+            <a:tailEnd type="triangle"/>
+          </a:ln>
+        </p:spPr>
+        <p:style>
+          <a:lnRef idx="1">
+            <a:schemeClr val="dk1"/>
+          </a:lnRef>
+          <a:fillRef idx="0">
+            <a:schemeClr val="dk1"/>
+          </a:fillRef>
+          <a:effectRef idx="0">
+            <a:schemeClr val="dk1"/>
+          </a:effectRef>
+          <a:fontRef idx="minor">
+            <a:schemeClr val="tx1"/>
+          </a:fontRef>
+        </p:style>
+      </p:cxnSp>
+      <p:cxnSp>
+        <p:nvCxnSpPr>
+          <p:cNvPr id="48" name="Straight Arrow Connector 47">
+            <a:extLst>
+              <a:ext uri="{FF2B5EF4-FFF2-40B4-BE49-F238E27FC236}">
+                <a16:creationId xmlns:a16="http://schemas.microsoft.com/office/drawing/2014/main" id="{49158700-34BB-892B-C2B0-D31E373EEDC4}"/>
+              </a:ext>
+            </a:extLst>
+          </p:cNvPr>
+          <p:cNvCxnSpPr>
+            <a:cxnSpLocks/>
+            <a:stCxn id="21" idx="6"/>
+            <a:endCxn id="27" idx="2"/>
+          </p:cNvCxnSpPr>
+          <p:nvPr/>
+        </p:nvCxnSpPr>
+        <p:spPr>
+          <a:xfrm>
+            <a:off x="5994465" y="4811073"/>
+            <a:ext cx="428107" cy="0"/>
+          </a:xfrm>
+          <a:prstGeom prst="straightConnector1">
+            <a:avLst/>
+          </a:prstGeom>
+          <a:ln>
+            <a:tailEnd type="triangle"/>
+          </a:ln>
+        </p:spPr>
+        <p:style>
+          <a:lnRef idx="1">
+            <a:schemeClr val="dk1"/>
+          </a:lnRef>
+          <a:fillRef idx="0">
+            <a:schemeClr val="dk1"/>
+          </a:fillRef>
+          <a:effectRef idx="0">
+            <a:schemeClr val="dk1"/>
+          </a:effectRef>
+          <a:fontRef idx="minor">
+            <a:schemeClr val="tx1"/>
+          </a:fontRef>
+        </p:style>
+      </p:cxnSp>
+      <p:cxnSp>
+        <p:nvCxnSpPr>
+          <p:cNvPr id="53" name="Straight Arrow Connector 52">
+            <a:extLst>
+              <a:ext uri="{FF2B5EF4-FFF2-40B4-BE49-F238E27FC236}">
+                <a16:creationId xmlns:a16="http://schemas.microsoft.com/office/drawing/2014/main" id="{C3F4D5E6-1583-57CF-8F75-1AAAD78DD338}"/>
+              </a:ext>
+            </a:extLst>
+          </p:cNvPr>
+          <p:cNvCxnSpPr>
+            <a:cxnSpLocks/>
+            <a:stCxn id="21" idx="7"/>
+            <a:endCxn id="29" idx="3"/>
+          </p:cNvCxnSpPr>
+          <p:nvPr/>
+        </p:nvCxnSpPr>
+        <p:spPr>
+          <a:xfrm flipV="1">
+            <a:off x="5920691" y="4358426"/>
+            <a:ext cx="572715" cy="322506"/>
           </a:xfrm>
           <a:prstGeom prst="straightConnector1">
             <a:avLst/>
@@ -37286,21 +36947,107 @@
           <p:cNvPr id="57" name="Straight Arrow Connector 56">
             <a:extLst>
               <a:ext uri="{FF2B5EF4-FFF2-40B4-BE49-F238E27FC236}">
-                <a16:creationId xmlns:a16="http://schemas.microsoft.com/office/drawing/2014/main" id="{18EC12D1-1324-F76F-D7F8-B4A2A019A5DA}"/>
+                <a16:creationId xmlns:a16="http://schemas.microsoft.com/office/drawing/2014/main" id="{04C30DC0-72E6-771C-FC95-958618504682}"/>
               </a:ext>
             </a:extLst>
           </p:cNvPr>
           <p:cNvCxnSpPr>
             <a:cxnSpLocks/>
-            <a:stCxn id="6" idx="7"/>
-            <a:endCxn id="15" idx="2"/>
+            <a:stCxn id="21" idx="7"/>
+            <a:endCxn id="31" idx="3"/>
           </p:cNvCxnSpPr>
           <p:nvPr/>
         </p:nvCxnSpPr>
         <p:spPr>
           <a:xfrm flipV="1">
-            <a:off x="3611989" y="2512618"/>
-            <a:ext cx="525936" cy="327873"/>
+            <a:off x="5920691" y="3922765"/>
+            <a:ext cx="572715" cy="758167"/>
+          </a:xfrm>
+          <a:prstGeom prst="straightConnector1">
+            <a:avLst/>
+          </a:prstGeom>
+          <a:ln>
+            <a:tailEnd type="triangle"/>
+          </a:ln>
+        </p:spPr>
+        <p:style>
+          <a:lnRef idx="1">
+            <a:schemeClr val="dk1"/>
+          </a:lnRef>
+          <a:fillRef idx="0">
+            <a:schemeClr val="dk1"/>
+          </a:fillRef>
+          <a:effectRef idx="0">
+            <a:schemeClr val="dk1"/>
+          </a:effectRef>
+          <a:fontRef idx="minor">
+            <a:schemeClr val="tx1"/>
+          </a:fontRef>
+        </p:style>
+      </p:cxnSp>
+      <p:cxnSp>
+        <p:nvCxnSpPr>
+          <p:cNvPr id="58" name="Straight Arrow Connector 57">
+            <a:extLst>
+              <a:ext uri="{FF2B5EF4-FFF2-40B4-BE49-F238E27FC236}">
+                <a16:creationId xmlns:a16="http://schemas.microsoft.com/office/drawing/2014/main" id="{9EBFB800-1559-5B68-E9D0-05029510BBE3}"/>
+              </a:ext>
+            </a:extLst>
+          </p:cNvPr>
+          <p:cNvCxnSpPr>
+            <a:cxnSpLocks/>
+            <a:stCxn id="24" idx="5"/>
+            <a:endCxn id="27" idx="1"/>
+          </p:cNvCxnSpPr>
+          <p:nvPr/>
+        </p:nvCxnSpPr>
+        <p:spPr>
+          <a:xfrm>
+            <a:off x="5923630" y="4358427"/>
+            <a:ext cx="569776" cy="322506"/>
+          </a:xfrm>
+          <a:prstGeom prst="straightConnector1">
+            <a:avLst/>
+          </a:prstGeom>
+          <a:ln>
+            <a:tailEnd type="triangle"/>
+          </a:ln>
+        </p:spPr>
+        <p:style>
+          <a:lnRef idx="1">
+            <a:schemeClr val="dk1"/>
+          </a:lnRef>
+          <a:fillRef idx="0">
+            <a:schemeClr val="dk1"/>
+          </a:fillRef>
+          <a:effectRef idx="0">
+            <a:schemeClr val="dk1"/>
+          </a:effectRef>
+          <a:fontRef idx="minor">
+            <a:schemeClr val="tx1"/>
+          </a:fontRef>
+        </p:style>
+      </p:cxnSp>
+      <p:cxnSp>
+        <p:nvCxnSpPr>
+          <p:cNvPr id="59" name="Straight Arrow Connector 58">
+            <a:extLst>
+              <a:ext uri="{FF2B5EF4-FFF2-40B4-BE49-F238E27FC236}">
+                <a16:creationId xmlns:a16="http://schemas.microsoft.com/office/drawing/2014/main" id="{9F16796D-7841-DBD1-1DCA-F36DCA709B3F}"/>
+              </a:ext>
+            </a:extLst>
+          </p:cNvPr>
+          <p:cNvCxnSpPr>
+            <a:cxnSpLocks/>
+            <a:stCxn id="24" idx="6"/>
+            <a:endCxn id="29" idx="2"/>
+          </p:cNvCxnSpPr>
+          <p:nvPr/>
+        </p:nvCxnSpPr>
+        <p:spPr>
+          <a:xfrm>
+            <a:off x="5994464" y="4228285"/>
+            <a:ext cx="428108" cy="0"/>
           </a:xfrm>
           <a:prstGeom prst="straightConnector1">
             <a:avLst/>
@@ -37329,21 +37076,107 @@
           <p:cNvPr id="60" name="Straight Arrow Connector 59">
             <a:extLst>
               <a:ext uri="{FF2B5EF4-FFF2-40B4-BE49-F238E27FC236}">
-                <a16:creationId xmlns:a16="http://schemas.microsoft.com/office/drawing/2014/main" id="{5C557A80-F35A-55E0-997A-FDEB879D6B81}"/>
+                <a16:creationId xmlns:a16="http://schemas.microsoft.com/office/drawing/2014/main" id="{8EFAC79F-1965-AC63-A2C0-F3BDCDE91C70}"/>
               </a:ext>
             </a:extLst>
           </p:cNvPr>
           <p:cNvCxnSpPr>
             <a:cxnSpLocks/>
-            <a:stCxn id="7" idx="5"/>
-            <a:endCxn id="12" idx="1"/>
+            <a:stCxn id="24" idx="7"/>
+            <a:endCxn id="31" idx="2"/>
+          </p:cNvCxnSpPr>
+          <p:nvPr/>
+        </p:nvCxnSpPr>
+        <p:spPr>
+          <a:xfrm flipV="1">
+            <a:off x="5923630" y="3792624"/>
+            <a:ext cx="498942" cy="305520"/>
+          </a:xfrm>
+          <a:prstGeom prst="straightConnector1">
+            <a:avLst/>
+          </a:prstGeom>
+          <a:ln>
+            <a:tailEnd type="triangle"/>
+          </a:ln>
+        </p:spPr>
+        <p:style>
+          <a:lnRef idx="1">
+            <a:schemeClr val="dk1"/>
+          </a:lnRef>
+          <a:fillRef idx="0">
+            <a:schemeClr val="dk1"/>
+          </a:fillRef>
+          <a:effectRef idx="0">
+            <a:schemeClr val="dk1"/>
+          </a:effectRef>
+          <a:fontRef idx="minor">
+            <a:schemeClr val="tx1"/>
+          </a:fontRef>
+        </p:style>
+      </p:cxnSp>
+      <p:cxnSp>
+        <p:nvCxnSpPr>
+          <p:cNvPr id="1099" name="Straight Arrow Connector 1098">
+            <a:extLst>
+              <a:ext uri="{FF2B5EF4-FFF2-40B4-BE49-F238E27FC236}">
+                <a16:creationId xmlns:a16="http://schemas.microsoft.com/office/drawing/2014/main" id="{41600E2B-5392-E813-1635-EAC9C3CAE606}"/>
+              </a:ext>
+            </a:extLst>
+          </p:cNvPr>
+          <p:cNvCxnSpPr>
+            <a:cxnSpLocks/>
+            <a:stCxn id="26" idx="6"/>
+            <a:endCxn id="31" idx="2"/>
           </p:cNvCxnSpPr>
           <p:nvPr/>
         </p:nvCxnSpPr>
         <p:spPr>
           <a:xfrm>
-            <a:off x="3611989" y="2652281"/>
-            <a:ext cx="601690" cy="813638"/>
+            <a:off x="5994464" y="3792624"/>
+            <a:ext cx="428108" cy="0"/>
+          </a:xfrm>
+          <a:prstGeom prst="straightConnector1">
+            <a:avLst/>
+          </a:prstGeom>
+          <a:ln>
+            <a:tailEnd type="triangle"/>
+          </a:ln>
+        </p:spPr>
+        <p:style>
+          <a:lnRef idx="1">
+            <a:schemeClr val="dk1"/>
+          </a:lnRef>
+          <a:fillRef idx="0">
+            <a:schemeClr val="dk1"/>
+          </a:fillRef>
+          <a:effectRef idx="0">
+            <a:schemeClr val="dk1"/>
+          </a:effectRef>
+          <a:fontRef idx="minor">
+            <a:schemeClr val="tx1"/>
+          </a:fontRef>
+        </p:style>
+      </p:cxnSp>
+      <p:cxnSp>
+        <p:nvCxnSpPr>
+          <p:cNvPr id="1110" name="Straight Arrow Connector 1109">
+            <a:extLst>
+              <a:ext uri="{FF2B5EF4-FFF2-40B4-BE49-F238E27FC236}">
+                <a16:creationId xmlns:a16="http://schemas.microsoft.com/office/drawing/2014/main" id="{BA3608B1-FD20-C20D-EB2B-687F3B879C6F}"/>
+              </a:ext>
+            </a:extLst>
+          </p:cNvPr>
+          <p:cNvCxnSpPr>
+            <a:cxnSpLocks/>
+            <a:stCxn id="26" idx="5"/>
+            <a:endCxn id="29" idx="1"/>
+          </p:cNvCxnSpPr>
+          <p:nvPr/>
+        </p:nvCxnSpPr>
+        <p:spPr>
+          <a:xfrm>
+            <a:off x="5923630" y="3922766"/>
+            <a:ext cx="569776" cy="175378"/>
           </a:xfrm>
           <a:prstGeom prst="straightConnector1">
             <a:avLst/>
@@ -37372,451 +37205,21 @@
           <p:cNvPr id="1119" name="Straight Arrow Connector 1118">
             <a:extLst>
               <a:ext uri="{FF2B5EF4-FFF2-40B4-BE49-F238E27FC236}">
-                <a16:creationId xmlns:a16="http://schemas.microsoft.com/office/drawing/2014/main" id="{F5428AB5-289D-8C9D-6717-17219FDF57AB}"/>
+                <a16:creationId xmlns:a16="http://schemas.microsoft.com/office/drawing/2014/main" id="{7901196A-DAAE-7BD4-5621-5D4D3C945DC5}"/>
               </a:ext>
             </a:extLst>
           </p:cNvPr>
           <p:cNvCxnSpPr>
             <a:cxnSpLocks/>
-            <a:stCxn id="7" idx="6"/>
-            <a:endCxn id="13" idx="1"/>
+            <a:stCxn id="26" idx="5"/>
+            <a:endCxn id="27" idx="1"/>
           </p:cNvCxnSpPr>
           <p:nvPr/>
         </p:nvCxnSpPr>
         <p:spPr>
           <a:xfrm>
-            <a:off x="3687743" y="2512618"/>
-            <a:ext cx="525936" cy="327873"/>
-          </a:xfrm>
-          <a:prstGeom prst="straightConnector1">
-            <a:avLst/>
-          </a:prstGeom>
-          <a:ln>
-            <a:tailEnd type="triangle"/>
-          </a:ln>
-        </p:spPr>
-        <p:style>
-          <a:lnRef idx="1">
-            <a:schemeClr val="dk1"/>
-          </a:lnRef>
-          <a:fillRef idx="0">
-            <a:schemeClr val="dk1"/>
-          </a:fillRef>
-          <a:effectRef idx="0">
-            <a:schemeClr val="dk1"/>
-          </a:effectRef>
-          <a:fontRef idx="minor">
-            <a:schemeClr val="tx1"/>
-          </a:fontRef>
-        </p:style>
-      </p:cxnSp>
-      <p:cxnSp>
-        <p:nvCxnSpPr>
-          <p:cNvPr id="1124" name="Straight Arrow Connector 1123">
-            <a:extLst>
-              <a:ext uri="{FF2B5EF4-FFF2-40B4-BE49-F238E27FC236}">
-                <a16:creationId xmlns:a16="http://schemas.microsoft.com/office/drawing/2014/main" id="{CE14D043-6E1F-01AE-8CDF-57E35EFAF513}"/>
-              </a:ext>
-            </a:extLst>
-          </p:cNvPr>
-          <p:cNvCxnSpPr>
-            <a:cxnSpLocks/>
-            <a:stCxn id="7" idx="6"/>
-            <a:endCxn id="15" idx="2"/>
-          </p:cNvCxnSpPr>
-          <p:nvPr/>
-        </p:nvCxnSpPr>
-        <p:spPr>
-          <a:xfrm>
-            <a:off x="3687743" y="2512618"/>
-            <a:ext cx="450182" cy="0"/>
-          </a:xfrm>
-          <a:prstGeom prst="straightConnector1">
-            <a:avLst/>
-          </a:prstGeom>
-          <a:ln>
-            <a:tailEnd type="triangle"/>
-          </a:ln>
-        </p:spPr>
-        <p:style>
-          <a:lnRef idx="1">
-            <a:schemeClr val="dk1"/>
-          </a:lnRef>
-          <a:fillRef idx="0">
-            <a:schemeClr val="dk1"/>
-          </a:fillRef>
-          <a:effectRef idx="0">
-            <a:schemeClr val="dk1"/>
-          </a:effectRef>
-          <a:fontRef idx="minor">
-            <a:schemeClr val="tx1"/>
-          </a:fontRef>
-        </p:style>
-      </p:cxnSp>
-      <p:cxnSp>
-        <p:nvCxnSpPr>
-          <p:cNvPr id="1127" name="Straight Arrow Connector 1126">
-            <a:extLst>
-              <a:ext uri="{FF2B5EF4-FFF2-40B4-BE49-F238E27FC236}">
-                <a16:creationId xmlns:a16="http://schemas.microsoft.com/office/drawing/2014/main" id="{CADD947E-758D-00C2-F6CE-42EE2E49FCFB}"/>
-              </a:ext>
-            </a:extLst>
-          </p:cNvPr>
-          <p:cNvCxnSpPr>
-            <a:cxnSpLocks/>
-            <a:stCxn id="12" idx="6"/>
-            <a:endCxn id="16" idx="2"/>
-          </p:cNvCxnSpPr>
-          <p:nvPr/>
-        </p:nvCxnSpPr>
-        <p:spPr>
-          <a:xfrm>
-            <a:off x="4655209" y="3605582"/>
-            <a:ext cx="457845" cy="0"/>
-          </a:xfrm>
-          <a:prstGeom prst="straightConnector1">
-            <a:avLst/>
-          </a:prstGeom>
-          <a:ln>
-            <a:tailEnd type="triangle"/>
-          </a:ln>
-        </p:spPr>
-        <p:style>
-          <a:lnRef idx="1">
-            <a:schemeClr val="dk1"/>
-          </a:lnRef>
-          <a:fillRef idx="0">
-            <a:schemeClr val="dk1"/>
-          </a:fillRef>
-          <a:effectRef idx="0">
-            <a:schemeClr val="dk1"/>
-          </a:effectRef>
-          <a:fontRef idx="minor">
-            <a:schemeClr val="tx1"/>
-          </a:fontRef>
-        </p:style>
-      </p:cxnSp>
-      <p:cxnSp>
-        <p:nvCxnSpPr>
-          <p:cNvPr id="1130" name="Straight Arrow Connector 1129">
-            <a:extLst>
-              <a:ext uri="{FF2B5EF4-FFF2-40B4-BE49-F238E27FC236}">
-                <a16:creationId xmlns:a16="http://schemas.microsoft.com/office/drawing/2014/main" id="{23160CA7-69B9-8904-9490-F2561694B030}"/>
-              </a:ext>
-            </a:extLst>
-          </p:cNvPr>
-          <p:cNvCxnSpPr>
-            <a:cxnSpLocks/>
-            <a:stCxn id="12" idx="7"/>
-            <a:endCxn id="21" idx="3"/>
-          </p:cNvCxnSpPr>
-          <p:nvPr/>
-        </p:nvCxnSpPr>
-        <p:spPr>
-          <a:xfrm flipV="1">
-            <a:off x="4579455" y="3119817"/>
-            <a:ext cx="609353" cy="346102"/>
-          </a:xfrm>
-          <a:prstGeom prst="straightConnector1">
-            <a:avLst/>
-          </a:prstGeom>
-          <a:ln>
-            <a:tailEnd type="triangle"/>
-          </a:ln>
-        </p:spPr>
-        <p:style>
-          <a:lnRef idx="1">
-            <a:schemeClr val="dk1"/>
-          </a:lnRef>
-          <a:fillRef idx="0">
-            <a:schemeClr val="dk1"/>
-          </a:fillRef>
-          <a:effectRef idx="0">
-            <a:schemeClr val="dk1"/>
-          </a:effectRef>
-          <a:fontRef idx="minor">
-            <a:schemeClr val="tx1"/>
-          </a:fontRef>
-        </p:style>
-      </p:cxnSp>
-      <p:cxnSp>
-        <p:nvCxnSpPr>
-          <p:cNvPr id="1133" name="Straight Arrow Connector 1132">
-            <a:extLst>
-              <a:ext uri="{FF2B5EF4-FFF2-40B4-BE49-F238E27FC236}">
-                <a16:creationId xmlns:a16="http://schemas.microsoft.com/office/drawing/2014/main" id="{56DBAF2C-1C5D-A741-69B0-59FBCB0FB7CE}"/>
-              </a:ext>
-            </a:extLst>
-          </p:cNvPr>
-          <p:cNvCxnSpPr>
-            <a:cxnSpLocks/>
-            <a:stCxn id="12" idx="7"/>
-            <a:endCxn id="24" idx="3"/>
-          </p:cNvCxnSpPr>
-          <p:nvPr/>
-        </p:nvCxnSpPr>
-        <p:spPr>
-          <a:xfrm flipV="1">
-            <a:off x="4579455" y="2652281"/>
-            <a:ext cx="609353" cy="813638"/>
-          </a:xfrm>
-          <a:prstGeom prst="straightConnector1">
-            <a:avLst/>
-          </a:prstGeom>
-          <a:ln>
-            <a:tailEnd type="triangle"/>
-          </a:ln>
-        </p:spPr>
-        <p:style>
-          <a:lnRef idx="1">
-            <a:schemeClr val="dk1"/>
-          </a:lnRef>
-          <a:fillRef idx="0">
-            <a:schemeClr val="dk1"/>
-          </a:fillRef>
-          <a:effectRef idx="0">
-            <a:schemeClr val="dk1"/>
-          </a:effectRef>
-          <a:fontRef idx="minor">
-            <a:schemeClr val="tx1"/>
-          </a:fontRef>
-        </p:style>
-      </p:cxnSp>
-      <p:cxnSp>
-        <p:nvCxnSpPr>
-          <p:cNvPr id="1136" name="Straight Arrow Connector 1135">
-            <a:extLst>
-              <a:ext uri="{FF2B5EF4-FFF2-40B4-BE49-F238E27FC236}">
-                <a16:creationId xmlns:a16="http://schemas.microsoft.com/office/drawing/2014/main" id="{9E5A36EC-7914-28C1-7151-2CDA50EF7BB3}"/>
-              </a:ext>
-            </a:extLst>
-          </p:cNvPr>
-          <p:cNvCxnSpPr>
-            <a:cxnSpLocks/>
-            <a:stCxn id="13" idx="5"/>
-            <a:endCxn id="16" idx="1"/>
-          </p:cNvCxnSpPr>
-          <p:nvPr/>
-        </p:nvCxnSpPr>
-        <p:spPr>
-          <a:xfrm>
-            <a:off x="4579455" y="3119817"/>
-            <a:ext cx="609353" cy="346102"/>
-          </a:xfrm>
-          <a:prstGeom prst="straightConnector1">
-            <a:avLst/>
-          </a:prstGeom>
-          <a:ln>
-            <a:tailEnd type="triangle"/>
-          </a:ln>
-        </p:spPr>
-        <p:style>
-          <a:lnRef idx="1">
-            <a:schemeClr val="dk1"/>
-          </a:lnRef>
-          <a:fillRef idx="0">
-            <a:schemeClr val="dk1"/>
-          </a:fillRef>
-          <a:effectRef idx="0">
-            <a:schemeClr val="dk1"/>
-          </a:effectRef>
-          <a:fontRef idx="minor">
-            <a:schemeClr val="tx1"/>
-          </a:fontRef>
-        </p:style>
-      </p:cxnSp>
-      <p:cxnSp>
-        <p:nvCxnSpPr>
-          <p:cNvPr id="1139" name="Straight Arrow Connector 1138">
-            <a:extLst>
-              <a:ext uri="{FF2B5EF4-FFF2-40B4-BE49-F238E27FC236}">
-                <a16:creationId xmlns:a16="http://schemas.microsoft.com/office/drawing/2014/main" id="{4F3D3549-8750-5E72-E211-F4B298118BBE}"/>
-              </a:ext>
-            </a:extLst>
-          </p:cNvPr>
-          <p:cNvCxnSpPr>
-            <a:cxnSpLocks/>
-            <a:stCxn id="13" idx="6"/>
-            <a:endCxn id="21" idx="2"/>
-          </p:cNvCxnSpPr>
-          <p:nvPr/>
-        </p:nvCxnSpPr>
-        <p:spPr>
-          <a:xfrm>
-            <a:off x="4655209" y="2980154"/>
-            <a:ext cx="457845" cy="0"/>
-          </a:xfrm>
-          <a:prstGeom prst="straightConnector1">
-            <a:avLst/>
-          </a:prstGeom>
-          <a:ln>
-            <a:tailEnd type="triangle"/>
-          </a:ln>
-        </p:spPr>
-        <p:style>
-          <a:lnRef idx="1">
-            <a:schemeClr val="dk1"/>
-          </a:lnRef>
-          <a:fillRef idx="0">
-            <a:schemeClr val="dk1"/>
-          </a:fillRef>
-          <a:effectRef idx="0">
-            <a:schemeClr val="dk1"/>
-          </a:effectRef>
-          <a:fontRef idx="minor">
-            <a:schemeClr val="tx1"/>
-          </a:fontRef>
-        </p:style>
-      </p:cxnSp>
-      <p:cxnSp>
-        <p:nvCxnSpPr>
-          <p:cNvPr id="1142" name="Straight Arrow Connector 1141">
-            <a:extLst>
-              <a:ext uri="{FF2B5EF4-FFF2-40B4-BE49-F238E27FC236}">
-                <a16:creationId xmlns:a16="http://schemas.microsoft.com/office/drawing/2014/main" id="{BFE91032-BAA7-F9AE-E57C-4077144781BC}"/>
-              </a:ext>
-            </a:extLst>
-          </p:cNvPr>
-          <p:cNvCxnSpPr>
-            <a:cxnSpLocks/>
-            <a:stCxn id="13" idx="7"/>
-            <a:endCxn id="24" idx="2"/>
-          </p:cNvCxnSpPr>
-          <p:nvPr/>
-        </p:nvCxnSpPr>
-        <p:spPr>
-          <a:xfrm flipV="1">
-            <a:off x="4579455" y="2512618"/>
-            <a:ext cx="533599" cy="327873"/>
-          </a:xfrm>
-          <a:prstGeom prst="straightConnector1">
-            <a:avLst/>
-          </a:prstGeom>
-          <a:ln>
-            <a:tailEnd type="triangle"/>
-          </a:ln>
-        </p:spPr>
-        <p:style>
-          <a:lnRef idx="1">
-            <a:schemeClr val="dk1"/>
-          </a:lnRef>
-          <a:fillRef idx="0">
-            <a:schemeClr val="dk1"/>
-          </a:fillRef>
-          <a:effectRef idx="0">
-            <a:schemeClr val="dk1"/>
-          </a:effectRef>
-          <a:fontRef idx="minor">
-            <a:schemeClr val="tx1"/>
-          </a:fontRef>
-        </p:style>
-      </p:cxnSp>
-      <p:cxnSp>
-        <p:nvCxnSpPr>
-          <p:cNvPr id="1147" name="Straight Arrow Connector 1146">
-            <a:extLst>
-              <a:ext uri="{FF2B5EF4-FFF2-40B4-BE49-F238E27FC236}">
-                <a16:creationId xmlns:a16="http://schemas.microsoft.com/office/drawing/2014/main" id="{1F52AB21-7254-8076-2CF4-9E1E244B69BB}"/>
-              </a:ext>
-            </a:extLst>
-          </p:cNvPr>
-          <p:cNvCxnSpPr>
-            <a:cxnSpLocks/>
-            <a:stCxn id="15" idx="6"/>
-            <a:endCxn id="24" idx="2"/>
-          </p:cNvCxnSpPr>
-          <p:nvPr/>
-        </p:nvCxnSpPr>
-        <p:spPr>
-          <a:xfrm>
-            <a:off x="4655209" y="2512618"/>
-            <a:ext cx="457845" cy="0"/>
-          </a:xfrm>
-          <a:prstGeom prst="straightConnector1">
-            <a:avLst/>
-          </a:prstGeom>
-          <a:ln>
-            <a:tailEnd type="triangle"/>
-          </a:ln>
-        </p:spPr>
-        <p:style>
-          <a:lnRef idx="1">
-            <a:schemeClr val="dk1"/>
-          </a:lnRef>
-          <a:fillRef idx="0">
-            <a:schemeClr val="dk1"/>
-          </a:fillRef>
-          <a:effectRef idx="0">
-            <a:schemeClr val="dk1"/>
-          </a:effectRef>
-          <a:fontRef idx="minor">
-            <a:schemeClr val="tx1"/>
-          </a:fontRef>
-        </p:style>
-      </p:cxnSp>
-      <p:cxnSp>
-        <p:nvCxnSpPr>
-          <p:cNvPr id="1150" name="Straight Arrow Connector 1149">
-            <a:extLst>
-              <a:ext uri="{FF2B5EF4-FFF2-40B4-BE49-F238E27FC236}">
-                <a16:creationId xmlns:a16="http://schemas.microsoft.com/office/drawing/2014/main" id="{41B08498-B427-8BEC-1EF5-B406F74CB77B}"/>
-              </a:ext>
-            </a:extLst>
-          </p:cNvPr>
-          <p:cNvCxnSpPr>
-            <a:cxnSpLocks/>
-            <a:stCxn id="15" idx="5"/>
-            <a:endCxn id="21" idx="1"/>
-          </p:cNvCxnSpPr>
-          <p:nvPr/>
-        </p:nvCxnSpPr>
-        <p:spPr>
-          <a:xfrm>
-            <a:off x="4579455" y="2652281"/>
-            <a:ext cx="609353" cy="188210"/>
-          </a:xfrm>
-          <a:prstGeom prst="straightConnector1">
-            <a:avLst/>
-          </a:prstGeom>
-          <a:ln>
-            <a:tailEnd type="triangle"/>
-          </a:ln>
-        </p:spPr>
-        <p:style>
-          <a:lnRef idx="1">
-            <a:schemeClr val="dk1"/>
-          </a:lnRef>
-          <a:fillRef idx="0">
-            <a:schemeClr val="dk1"/>
-          </a:fillRef>
-          <a:effectRef idx="0">
-            <a:schemeClr val="dk1"/>
-          </a:effectRef>
-          <a:fontRef idx="minor">
-            <a:schemeClr val="tx1"/>
-          </a:fontRef>
-        </p:style>
-      </p:cxnSp>
-      <p:cxnSp>
-        <p:nvCxnSpPr>
-          <p:cNvPr id="1153" name="Straight Arrow Connector 1152">
-            <a:extLst>
-              <a:ext uri="{FF2B5EF4-FFF2-40B4-BE49-F238E27FC236}">
-                <a16:creationId xmlns:a16="http://schemas.microsoft.com/office/drawing/2014/main" id="{98B1CD33-5283-5B00-2D97-88830F5FD5C9}"/>
-              </a:ext>
-            </a:extLst>
-          </p:cNvPr>
-          <p:cNvCxnSpPr>
-            <a:cxnSpLocks/>
-            <a:stCxn id="15" idx="5"/>
-            <a:endCxn id="16" idx="1"/>
-          </p:cNvCxnSpPr>
-          <p:nvPr/>
-        </p:nvCxnSpPr>
-        <p:spPr>
-          <a:xfrm>
-            <a:off x="4579455" y="2652281"/>
-            <a:ext cx="609353" cy="813638"/>
+            <a:off x="5923630" y="3922766"/>
+            <a:ext cx="569776" cy="758167"/>
           </a:xfrm>
           <a:prstGeom prst="straightConnector1">
             <a:avLst/>
@@ -37842,10 +37245,10 @@
       </p:cxnSp>
       <p:sp>
         <p:nvSpPr>
-          <p:cNvPr id="1166" name="TextBox 1165">
+          <p:cNvPr id="1120" name="TextBox 1119">
             <a:extLst>
               <a:ext uri="{FF2B5EF4-FFF2-40B4-BE49-F238E27FC236}">
-                <a16:creationId xmlns:a16="http://schemas.microsoft.com/office/drawing/2014/main" id="{35A8D18E-FB7A-FFA2-764B-DA3F1E9A59A7}"/>
+                <a16:creationId xmlns:a16="http://schemas.microsoft.com/office/drawing/2014/main" id="{087E35C6-7BA1-AB2B-B152-B7F74743F13E}"/>
               </a:ext>
             </a:extLst>
           </p:cNvPr>
@@ -37854,8 +37257,8 @@
         </p:nvSpPr>
         <p:spPr>
           <a:xfrm>
-            <a:off x="4207867" y="3095107"/>
-            <a:ext cx="363885" cy="307777"/>
+            <a:off x="5576176" y="4335401"/>
+            <a:ext cx="340251" cy="286794"/>
           </a:xfrm>
           <a:prstGeom prst="rect">
             <a:avLst/>
@@ -37878,10 +37281,10 @@
       </p:sp>
       <p:sp>
         <p:nvSpPr>
-          <p:cNvPr id="1167" name="TextBox 1166">
+          <p:cNvPr id="1122" name="TextBox 1121">
             <a:extLst>
               <a:ext uri="{FF2B5EF4-FFF2-40B4-BE49-F238E27FC236}">
-                <a16:creationId xmlns:a16="http://schemas.microsoft.com/office/drawing/2014/main" id="{95191E37-0A49-CB50-88F7-D68446910472}"/>
+                <a16:creationId xmlns:a16="http://schemas.microsoft.com/office/drawing/2014/main" id="{22B0DCBA-FF1B-87A2-653B-E2AFE7D74758}"/>
               </a:ext>
             </a:extLst>
           </p:cNvPr>
@@ -37890,8 +37293,8 @@
         </p:nvSpPr>
         <p:spPr>
           <a:xfrm>
-            <a:off x="5196511" y="3095107"/>
-            <a:ext cx="363885" cy="307777"/>
+            <a:off x="6500608" y="4335401"/>
+            <a:ext cx="340251" cy="286794"/>
           </a:xfrm>
           <a:prstGeom prst="rect">
             <a:avLst/>
@@ -37914,10 +37317,10 @@
       </p:sp>
       <p:sp>
         <p:nvSpPr>
-          <p:cNvPr id="1170" name="Left Brace 1169">
+          <p:cNvPr id="1124" name="Left Brace 1123">
             <a:extLst>
               <a:ext uri="{FF2B5EF4-FFF2-40B4-BE49-F238E27FC236}">
-                <a16:creationId xmlns:a16="http://schemas.microsoft.com/office/drawing/2014/main" id="{03BCCF98-65AC-FC7A-E834-F112B60D2A86}"/>
+                <a16:creationId xmlns:a16="http://schemas.microsoft.com/office/drawing/2014/main" id="{1845963E-15DE-0431-A029-EF539B50E1B0}"/>
               </a:ext>
             </a:extLst>
           </p:cNvPr>
@@ -37926,8 +37329,8 @@
         </p:nvSpPr>
         <p:spPr>
           <a:xfrm>
-            <a:off x="2777047" y="2200092"/>
-            <a:ext cx="280028" cy="1729915"/>
+            <a:off x="4238287" y="3501406"/>
+            <a:ext cx="268890" cy="1552840"/>
           </a:xfrm>
           <a:prstGeom prst="leftBrace">
             <a:avLst/>
@@ -37958,10 +37361,10 @@
       </p:sp>
       <p:sp>
         <p:nvSpPr>
-          <p:cNvPr id="1171" name="Left Brace 1170">
+          <p:cNvPr id="1125" name="Left Brace 1124">
             <a:extLst>
               <a:ext uri="{FF2B5EF4-FFF2-40B4-BE49-F238E27FC236}">
-                <a16:creationId xmlns:a16="http://schemas.microsoft.com/office/drawing/2014/main" id="{FB7825F1-82FB-80EB-FAD9-160CF7FC2294}"/>
+                <a16:creationId xmlns:a16="http://schemas.microsoft.com/office/drawing/2014/main" id="{E2391FFA-9606-794A-0E2F-13F59D72B5C9}"/>
               </a:ext>
             </a:extLst>
           </p:cNvPr>
@@ -37970,8 +37373,8 @@
         </p:nvSpPr>
         <p:spPr>
           <a:xfrm rot="10800000">
-            <a:off x="5815588" y="2221705"/>
-            <a:ext cx="280028" cy="1729915"/>
+            <a:off x="7079477" y="3521544"/>
+            <a:ext cx="261840" cy="1553039"/>
           </a:xfrm>
           <a:prstGeom prst="leftBrace">
             <a:avLst>
@@ -38005,10 +37408,105 @@
       </p:sp>
       <p:sp>
         <p:nvSpPr>
-          <p:cNvPr id="1172" name="Speech Bubble: Rectangle 1171">
+          <p:cNvPr id="1137" name="TextBox 1136">
             <a:extLst>
               <a:ext uri="{FF2B5EF4-FFF2-40B4-BE49-F238E27FC236}">
-                <a16:creationId xmlns:a16="http://schemas.microsoft.com/office/drawing/2014/main" id="{1E0E6020-E1DE-13DC-0AF6-B83EE48EC380}"/>
+                <a16:creationId xmlns:a16="http://schemas.microsoft.com/office/drawing/2014/main" id="{872DEB32-24B8-BCEE-EE83-3D3816C9A07D}"/>
+              </a:ext>
+            </a:extLst>
+          </p:cNvPr>
+          <p:cNvSpPr txBox="1"/>
+          <p:nvPr/>
+        </p:nvSpPr>
+        <p:spPr>
+          <a:xfrm>
+            <a:off x="3334404" y="4349408"/>
+            <a:ext cx="707309" cy="461665"/>
+          </a:xfrm>
+          <a:prstGeom prst="rect">
+            <a:avLst/>
+          </a:prstGeom>
+          <a:noFill/>
+        </p:spPr>
+        <p:txBody>
+          <a:bodyPr wrap="square">
+            <a:spAutoFit/>
+          </a:bodyPr>
+          <a:lstStyle/>
+          <a:p>
+            <a:pPr algn="ctr"/>
+            <a:r>
+              <a:rPr lang="en-US" sz="800" dirty="0"/>
+              <a:t>MAXPOOL    +</a:t>
+            </a:r>
+          </a:p>
+          <a:p>
+            <a:pPr algn="ctr"/>
+            <a:r>
+              <a:rPr lang="en-US" sz="800" dirty="0"/>
+              <a:t>FLATTEN</a:t>
+            </a:r>
+          </a:p>
+        </p:txBody>
+      </p:sp>
+      <p:cxnSp>
+        <p:nvCxnSpPr>
+          <p:cNvPr id="1139" name="Connector: Elbow 1138">
+            <a:extLst>
+              <a:ext uri="{FF2B5EF4-FFF2-40B4-BE49-F238E27FC236}">
+                <a16:creationId xmlns:a16="http://schemas.microsoft.com/office/drawing/2014/main" id="{EB173734-5D4C-AFE0-D857-42FF9A79CE77}"/>
+              </a:ext>
+            </a:extLst>
+          </p:cNvPr>
+          <p:cNvCxnSpPr>
+            <a:cxnSpLocks/>
+            <a:stCxn id="1141" idx="3"/>
+            <a:endCxn id="1124" idx="1"/>
+          </p:cNvCxnSpPr>
+          <p:nvPr/>
+        </p:nvCxnSpPr>
+        <p:spPr>
+          <a:xfrm flipH="1">
+            <a:off x="4238287" y="2046170"/>
+            <a:ext cx="3927174" cy="2231656"/>
+          </a:xfrm>
+          <a:prstGeom prst="bentConnector5">
+            <a:avLst>
+              <a:gd name="adj1" fmla="val -5821"/>
+              <a:gd name="adj2" fmla="val 41311"/>
+              <a:gd name="adj3" fmla="val 128620"/>
+            </a:avLst>
+          </a:prstGeom>
+          <a:ln>
+            <a:solidFill>
+              <a:schemeClr val="tx1">
+                <a:lumMod val="50000"/>
+              </a:schemeClr>
+            </a:solidFill>
+            <a:tailEnd type="triangle"/>
+          </a:ln>
+        </p:spPr>
+        <p:style>
+          <a:lnRef idx="1">
+            <a:schemeClr val="accent1"/>
+          </a:lnRef>
+          <a:fillRef idx="0">
+            <a:schemeClr val="accent1"/>
+          </a:fillRef>
+          <a:effectRef idx="0">
+            <a:schemeClr val="accent1"/>
+          </a:effectRef>
+          <a:fontRef idx="minor">
+            <a:schemeClr val="tx1"/>
+          </a:fontRef>
+        </p:style>
+      </p:cxnSp>
+      <p:sp>
+        <p:nvSpPr>
+          <p:cNvPr id="1141" name="Rectangle 1140">
+            <a:extLst>
+              <a:ext uri="{FF2B5EF4-FFF2-40B4-BE49-F238E27FC236}">
+                <a16:creationId xmlns:a16="http://schemas.microsoft.com/office/drawing/2014/main" id="{2D276BF5-97EE-D0ED-ED06-3FE9482BAD51}"/>
               </a:ext>
             </a:extLst>
           </p:cNvPr>
@@ -38017,25 +37515,15 @@
         </p:nvSpPr>
         <p:spPr>
           <a:xfrm>
-            <a:off x="4990636" y="4524800"/>
-            <a:ext cx="1425782" cy="338554"/>
+            <a:off x="8007941" y="1962384"/>
+            <a:ext cx="157520" cy="167571"/>
           </a:xfrm>
-          <a:prstGeom prst="wedgeRectCallout">
-            <a:avLst>
-              <a:gd name="adj1" fmla="val -22971"/>
-              <a:gd name="adj2" fmla="val -221094"/>
-            </a:avLst>
+          <a:prstGeom prst="rect">
+            <a:avLst/>
           </a:prstGeom>
-          <a:solidFill>
-            <a:schemeClr val="accent1"/>
-          </a:solidFill>
+          <a:noFill/>
           <a:ln>
-            <a:solidFill>
-              <a:schemeClr val="dk1">
-                <a:shade val="95000"/>
-                <a:satMod val="105000"/>
-              </a:schemeClr>
-            </a:solidFill>
+            <a:noFill/>
           </a:ln>
           <a:effectLst>
             <a:outerShdw blurRad="50800" dist="38100" dir="2700000" algn="tl" rotWithShape="0">
@@ -38045,22 +37533,79 @@
             </a:outerShdw>
           </a:effectLst>
         </p:spPr>
+        <p:style>
+          <a:lnRef idx="2">
+            <a:schemeClr val="accent1">
+              <a:shade val="15000"/>
+            </a:schemeClr>
+          </a:lnRef>
+          <a:fillRef idx="1">
+            <a:schemeClr val="accent1"/>
+          </a:fillRef>
+          <a:effectRef idx="0">
+            <a:schemeClr val="accent1"/>
+          </a:effectRef>
+          <a:fontRef idx="minor">
+            <a:schemeClr val="lt1"/>
+          </a:fontRef>
+        </p:style>
+        <p:txBody>
+          <a:bodyPr rtlCol="0" anchor="ctr"/>
+          <a:lstStyle/>
+          <a:p>
+            <a:pPr algn="ctr"/>
+            <a:endParaRPr lang="en-US" sz="800">
+              <a:solidFill>
+                <a:schemeClr val="tx1">
+                  <a:lumMod val="50000"/>
+                </a:schemeClr>
+              </a:solidFill>
+            </a:endParaRPr>
+          </a:p>
+        </p:txBody>
+      </p:sp>
+      <p:sp>
+        <p:nvSpPr>
+          <p:cNvPr id="1151" name="TextBox 1150">
+            <a:extLst>
+              <a:ext uri="{FF2B5EF4-FFF2-40B4-BE49-F238E27FC236}">
+                <a16:creationId xmlns:a16="http://schemas.microsoft.com/office/drawing/2014/main" id="{36BC6FE1-ED2E-337F-5A17-6A2199B9E98B}"/>
+              </a:ext>
+            </a:extLst>
+          </p:cNvPr>
+          <p:cNvSpPr txBox="1"/>
+          <p:nvPr/>
+        </p:nvSpPr>
+        <p:spPr>
+          <a:xfrm>
+            <a:off x="1330570" y="4010455"/>
+            <a:ext cx="2290062" cy="584775"/>
+          </a:xfrm>
+          <a:prstGeom prst="rect">
+            <a:avLst/>
+          </a:prstGeom>
+          <a:noFill/>
+        </p:spPr>
         <p:txBody>
           <a:bodyPr wrap="square">
             <a:spAutoFit/>
           </a:bodyPr>
           <a:lstStyle/>
           <a:p>
-            <a:pPr algn="ctr"/>
+            <a:pPr marL="0" indent="0">
+              <a:buFont typeface="Rosario"/>
+              <a:buNone/>
+            </a:pPr>
             <a:r>
-              <a:rPr lang="en-US" sz="800" dirty="0">
+              <a:rPr lang="en-US" sz="1600" b="1" dirty="0">
                 <a:solidFill>
-                  <a:srgbClr val="000000"/>
+                  <a:schemeClr val="dk1"/>
                 </a:solidFill>
-                <a:latin typeface="Arial"/>
-                <a:cs typeface="Arial"/>
+                <a:latin typeface="Inter"/>
+                <a:ea typeface="Inter"/>
+                <a:sym typeface="Inter"/>
               </a:rPr>
-              <a:t>(Baseline Model did not include Etch Class)</a:t>
+              <a:t>Classification Architecture:</a:t>
             </a:r>
           </a:p>
         </p:txBody>
@@ -38068,7 +37613,7 @@
     </p:spTree>
     <p:extLst>
       <p:ext uri="{BB962C8B-B14F-4D97-AF65-F5344CB8AC3E}">
-        <p14:creationId xmlns:p14="http://schemas.microsoft.com/office/powerpoint/2010/main" val="86151811"/>
+        <p14:creationId xmlns:p14="http://schemas.microsoft.com/office/powerpoint/2010/main" val="2908707292"/>
       </p:ext>
     </p:extLst>
   </p:cSld>
@@ -38078,7 +37623,7 @@
 </p:sld>
 </file>
 
-<file path=ppt/slides/slide9.xml><?xml version="1.0" encoding="utf-8"?>
+<file path=ppt/slides/slide8.xml><?xml version="1.0" encoding="utf-8"?>
 <p:sld xmlns:a="http://schemas.openxmlformats.org/drawingml/2006/main" xmlns:r="http://schemas.openxmlformats.org/officeDocument/2006/relationships" xmlns:p="http://schemas.openxmlformats.org/presentationml/2006/main">
   <p:cSld>
     <p:bg>
@@ -38375,6 +37920,803 @@
     <p:extLst>
       <p:ext uri="{BB962C8B-B14F-4D97-AF65-F5344CB8AC3E}">
         <p14:creationId xmlns:p14="http://schemas.microsoft.com/office/powerpoint/2010/main" val="2651378497"/>
+      </p:ext>
+    </p:extLst>
+  </p:cSld>
+  <p:clrMapOvr>
+    <a:overrideClrMapping bg1="lt1" tx1="dk1" bg2="dk2" tx2="lt2" accent1="accent1" accent2="accent2" accent3="accent3" accent4="accent4" accent5="accent5" accent6="accent6" hlink="hlink" folHlink="folHlink"/>
+  </p:clrMapOvr>
+</p:sld>
+</file>
+
+<file path=ppt/slides/slide9.xml><?xml version="1.0" encoding="utf-8"?>
+<p:sld xmlns:a="http://schemas.openxmlformats.org/drawingml/2006/main" xmlns:r="http://schemas.openxmlformats.org/officeDocument/2006/relationships" xmlns:p="http://schemas.openxmlformats.org/presentationml/2006/main">
+  <p:cSld>
+    <p:bg>
+      <p:bgPr>
+        <a:gradFill>
+          <a:gsLst>
+            <a:gs pos="0">
+              <a:schemeClr val="tx2"/>
+            </a:gs>
+            <a:gs pos="65000">
+              <a:schemeClr val="accent1">
+                <a:lumMod val="45000"/>
+                <a:lumOff val="55000"/>
+              </a:schemeClr>
+            </a:gs>
+            <a:gs pos="100000">
+              <a:schemeClr val="accent1">
+                <a:lumMod val="45000"/>
+                <a:lumOff val="55000"/>
+              </a:schemeClr>
+            </a:gs>
+            <a:gs pos="100000">
+              <a:schemeClr val="accent1">
+                <a:lumMod val="30000"/>
+                <a:lumOff val="70000"/>
+              </a:schemeClr>
+            </a:gs>
+          </a:gsLst>
+          <a:lin ang="5400000" scaled="1"/>
+        </a:gradFill>
+        <a:effectLst/>
+      </p:bgPr>
+    </p:bg>
+    <p:spTree>
+      <p:nvGrpSpPr>
+        <p:cNvPr id="1" name=""/>
+        <p:cNvGrpSpPr/>
+        <p:nvPr/>
+      </p:nvGrpSpPr>
+      <p:grpSpPr>
+        <a:xfrm>
+          <a:off x="0" y="0"/>
+          <a:ext cx="0" cy="0"/>
+          <a:chOff x="0" y="0"/>
+          <a:chExt cx="0" cy="0"/>
+        </a:xfrm>
+      </p:grpSpPr>
+      <p:pic>
+        <p:nvPicPr>
+          <p:cNvPr id="3" name="Picture 2">
+            <a:extLst>
+              <a:ext uri="{FF2B5EF4-FFF2-40B4-BE49-F238E27FC236}">
+                <a16:creationId xmlns:a16="http://schemas.microsoft.com/office/drawing/2014/main" id="{02928355-DF73-8934-D004-8C05393FF5A2}"/>
+              </a:ext>
+            </a:extLst>
+          </p:cNvPr>
+          <p:cNvPicPr>
+            <a:picLocks noChangeAspect="1"/>
+          </p:cNvPicPr>
+          <p:nvPr/>
+        </p:nvPicPr>
+        <p:blipFill>
+          <a:blip r:embed="rId4"/>
+          <a:stretch>
+            <a:fillRect/>
+          </a:stretch>
+        </p:blipFill>
+        <p:spPr>
+          <a:xfrm>
+            <a:off x="811987" y="905655"/>
+            <a:ext cx="7256678" cy="3910258"/>
+          </a:xfrm>
+          <a:prstGeom prst="rect">
+            <a:avLst/>
+          </a:prstGeom>
+          <a:ln>
+            <a:solidFill>
+              <a:schemeClr val="bg1">
+                <a:lumMod val="10000"/>
+              </a:schemeClr>
+            </a:solidFill>
+          </a:ln>
+          <a:effectLst>
+            <a:outerShdw blurRad="50800" dist="38100" dir="2700000" algn="tl" rotWithShape="0">
+              <a:prstClr val="black">
+                <a:alpha val="40000"/>
+              </a:prstClr>
+            </a:outerShdw>
+          </a:effectLst>
+        </p:spPr>
+      </p:pic>
+      <p:sp>
+        <p:nvSpPr>
+          <p:cNvPr id="4" name="Google Shape;1092;p31">
+            <a:extLst>
+              <a:ext uri="{FF2B5EF4-FFF2-40B4-BE49-F238E27FC236}">
+                <a16:creationId xmlns:a16="http://schemas.microsoft.com/office/drawing/2014/main" id="{72C2EDF5-A967-FD08-385C-7D1BB9BEC09E}"/>
+              </a:ext>
+            </a:extLst>
+          </p:cNvPr>
+          <p:cNvSpPr txBox="1">
+            <a:spLocks/>
+          </p:cNvSpPr>
+          <p:nvPr/>
+        </p:nvSpPr>
+        <p:spPr>
+          <a:xfrm>
+            <a:off x="228600" y="163513"/>
+            <a:ext cx="8915400" cy="573087"/>
+          </a:xfrm>
+          <a:prstGeom prst="rect">
+            <a:avLst/>
+          </a:prstGeom>
+          <a:noFill/>
+          <a:ln>
+            <a:noFill/>
+          </a:ln>
+        </p:spPr>
+        <p:txBody>
+          <a:bodyPr spcFirstLastPara="1" wrap="square" lIns="91425" tIns="91425" rIns="91425" bIns="91425" anchor="t" anchorCtr="0">
+            <a:noAutofit/>
+          </a:bodyPr>
+          <a:lstStyle>
+            <a:defPPr marR="0" lvl="0" algn="l" rtl="0">
+              <a:lnSpc>
+                <a:spcPct val="100000"/>
+              </a:lnSpc>
+              <a:spcBef>
+                <a:spcPts val="0"/>
+              </a:spcBef>
+              <a:spcAft>
+                <a:spcPts val="0"/>
+              </a:spcAft>
+            </a:defPPr>
+            <a:lvl1pPr marR="0" lvl="0" algn="l" rtl="0">
+              <a:lnSpc>
+                <a:spcPct val="100000"/>
+              </a:lnSpc>
+              <a:spcBef>
+                <a:spcPts val="0"/>
+              </a:spcBef>
+              <a:spcAft>
+                <a:spcPts val="0"/>
+              </a:spcAft>
+              <a:buClr>
+                <a:schemeClr val="dk1"/>
+              </a:buClr>
+              <a:buSzPts val="3000"/>
+              <a:buFont typeface="Inter"/>
+              <a:buNone/>
+              <a:defRPr sz="3000" b="1" i="0" u="none" strike="noStrike" cap="none">
+                <a:solidFill>
+                  <a:schemeClr val="dk1"/>
+                </a:solidFill>
+                <a:latin typeface="Inter"/>
+                <a:ea typeface="Inter"/>
+                <a:cs typeface="Inter"/>
+                <a:sym typeface="Inter"/>
+              </a:defRPr>
+            </a:lvl1pPr>
+            <a:lvl2pPr marR="0" lvl="1" algn="l" rtl="0">
+              <a:lnSpc>
+                <a:spcPct val="100000"/>
+              </a:lnSpc>
+              <a:spcBef>
+                <a:spcPts val="0"/>
+              </a:spcBef>
+              <a:spcAft>
+                <a:spcPts val="0"/>
+              </a:spcAft>
+              <a:buClr>
+                <a:schemeClr val="dk1"/>
+              </a:buClr>
+              <a:buSzPts val="3000"/>
+              <a:buFont typeface="Inter"/>
+              <a:buNone/>
+              <a:defRPr sz="3000" b="1" i="0" u="none" strike="noStrike" cap="none">
+                <a:solidFill>
+                  <a:schemeClr val="dk1"/>
+                </a:solidFill>
+                <a:latin typeface="Inter"/>
+                <a:ea typeface="Inter"/>
+                <a:cs typeface="Inter"/>
+                <a:sym typeface="Inter"/>
+              </a:defRPr>
+            </a:lvl2pPr>
+            <a:lvl3pPr marR="0" lvl="2" algn="l" rtl="0">
+              <a:lnSpc>
+                <a:spcPct val="100000"/>
+              </a:lnSpc>
+              <a:spcBef>
+                <a:spcPts val="0"/>
+              </a:spcBef>
+              <a:spcAft>
+                <a:spcPts val="0"/>
+              </a:spcAft>
+              <a:buClr>
+                <a:schemeClr val="dk1"/>
+              </a:buClr>
+              <a:buSzPts val="3000"/>
+              <a:buFont typeface="Inter"/>
+              <a:buNone/>
+              <a:defRPr sz="3000" b="1" i="0" u="none" strike="noStrike" cap="none">
+                <a:solidFill>
+                  <a:schemeClr val="dk1"/>
+                </a:solidFill>
+                <a:latin typeface="Inter"/>
+                <a:ea typeface="Inter"/>
+                <a:cs typeface="Inter"/>
+                <a:sym typeface="Inter"/>
+              </a:defRPr>
+            </a:lvl3pPr>
+            <a:lvl4pPr marR="0" lvl="3" algn="l" rtl="0">
+              <a:lnSpc>
+                <a:spcPct val="100000"/>
+              </a:lnSpc>
+              <a:spcBef>
+                <a:spcPts val="0"/>
+              </a:spcBef>
+              <a:spcAft>
+                <a:spcPts val="0"/>
+              </a:spcAft>
+              <a:buClr>
+                <a:schemeClr val="dk1"/>
+              </a:buClr>
+              <a:buSzPts val="3000"/>
+              <a:buFont typeface="Inter"/>
+              <a:buNone/>
+              <a:defRPr sz="3000" b="1" i="0" u="none" strike="noStrike" cap="none">
+                <a:solidFill>
+                  <a:schemeClr val="dk1"/>
+                </a:solidFill>
+                <a:latin typeface="Inter"/>
+                <a:ea typeface="Inter"/>
+                <a:cs typeface="Inter"/>
+                <a:sym typeface="Inter"/>
+              </a:defRPr>
+            </a:lvl4pPr>
+            <a:lvl5pPr marR="0" lvl="4" algn="l" rtl="0">
+              <a:lnSpc>
+                <a:spcPct val="100000"/>
+              </a:lnSpc>
+              <a:spcBef>
+                <a:spcPts val="0"/>
+              </a:spcBef>
+              <a:spcAft>
+                <a:spcPts val="0"/>
+              </a:spcAft>
+              <a:buClr>
+                <a:schemeClr val="dk1"/>
+              </a:buClr>
+              <a:buSzPts val="3000"/>
+              <a:buFont typeface="Inter"/>
+              <a:buNone/>
+              <a:defRPr sz="3000" b="1" i="0" u="none" strike="noStrike" cap="none">
+                <a:solidFill>
+                  <a:schemeClr val="dk1"/>
+                </a:solidFill>
+                <a:latin typeface="Inter"/>
+                <a:ea typeface="Inter"/>
+                <a:cs typeface="Inter"/>
+                <a:sym typeface="Inter"/>
+              </a:defRPr>
+            </a:lvl5pPr>
+            <a:lvl6pPr marR="0" lvl="5" algn="l" rtl="0">
+              <a:lnSpc>
+                <a:spcPct val="100000"/>
+              </a:lnSpc>
+              <a:spcBef>
+                <a:spcPts val="0"/>
+              </a:spcBef>
+              <a:spcAft>
+                <a:spcPts val="0"/>
+              </a:spcAft>
+              <a:buClr>
+                <a:schemeClr val="dk1"/>
+              </a:buClr>
+              <a:buSzPts val="3000"/>
+              <a:buFont typeface="Inter"/>
+              <a:buNone/>
+              <a:defRPr sz="3000" b="1" i="0" u="none" strike="noStrike" cap="none">
+                <a:solidFill>
+                  <a:schemeClr val="dk1"/>
+                </a:solidFill>
+                <a:latin typeface="Inter"/>
+                <a:ea typeface="Inter"/>
+                <a:cs typeface="Inter"/>
+                <a:sym typeface="Inter"/>
+              </a:defRPr>
+            </a:lvl6pPr>
+            <a:lvl7pPr marR="0" lvl="6" algn="l" rtl="0">
+              <a:lnSpc>
+                <a:spcPct val="100000"/>
+              </a:lnSpc>
+              <a:spcBef>
+                <a:spcPts val="0"/>
+              </a:spcBef>
+              <a:spcAft>
+                <a:spcPts val="0"/>
+              </a:spcAft>
+              <a:buClr>
+                <a:schemeClr val="dk1"/>
+              </a:buClr>
+              <a:buSzPts val="3000"/>
+              <a:buFont typeface="Inter"/>
+              <a:buNone/>
+              <a:defRPr sz="3000" b="1" i="0" u="none" strike="noStrike" cap="none">
+                <a:solidFill>
+                  <a:schemeClr val="dk1"/>
+                </a:solidFill>
+                <a:latin typeface="Inter"/>
+                <a:ea typeface="Inter"/>
+                <a:cs typeface="Inter"/>
+                <a:sym typeface="Inter"/>
+              </a:defRPr>
+            </a:lvl7pPr>
+            <a:lvl8pPr marR="0" lvl="7" algn="l" rtl="0">
+              <a:lnSpc>
+                <a:spcPct val="100000"/>
+              </a:lnSpc>
+              <a:spcBef>
+                <a:spcPts val="0"/>
+              </a:spcBef>
+              <a:spcAft>
+                <a:spcPts val="0"/>
+              </a:spcAft>
+              <a:buClr>
+                <a:schemeClr val="dk1"/>
+              </a:buClr>
+              <a:buSzPts val="3000"/>
+              <a:buFont typeface="Inter"/>
+              <a:buNone/>
+              <a:defRPr sz="3000" b="1" i="0" u="none" strike="noStrike" cap="none">
+                <a:solidFill>
+                  <a:schemeClr val="dk1"/>
+                </a:solidFill>
+                <a:latin typeface="Inter"/>
+                <a:ea typeface="Inter"/>
+                <a:cs typeface="Inter"/>
+                <a:sym typeface="Inter"/>
+              </a:defRPr>
+            </a:lvl8pPr>
+            <a:lvl9pPr marR="0" lvl="8" algn="l" rtl="0">
+              <a:lnSpc>
+                <a:spcPct val="100000"/>
+              </a:lnSpc>
+              <a:spcBef>
+                <a:spcPts val="0"/>
+              </a:spcBef>
+              <a:spcAft>
+                <a:spcPts val="0"/>
+              </a:spcAft>
+              <a:buClr>
+                <a:schemeClr val="dk1"/>
+              </a:buClr>
+              <a:buSzPts val="3000"/>
+              <a:buFont typeface="Inter"/>
+              <a:buNone/>
+              <a:defRPr sz="3000" b="1" i="0" u="none" strike="noStrike" cap="none">
+                <a:solidFill>
+                  <a:schemeClr val="dk1"/>
+                </a:solidFill>
+                <a:latin typeface="Inter"/>
+                <a:ea typeface="Inter"/>
+                <a:cs typeface="Inter"/>
+                <a:sym typeface="Inter"/>
+              </a:defRPr>
+            </a:lvl9pPr>
+          </a:lstStyle>
+          <a:p>
+            <a:r>
+              <a:rPr lang="en-US" dirty="0"/>
+              <a:t>Model Iteration Trend</a:t>
+            </a:r>
+          </a:p>
+        </p:txBody>
+      </p:sp>
+      <p:sp>
+        <p:nvSpPr>
+          <p:cNvPr id="6" name="Callout: Double Bent Line with No Border 5">
+            <a:extLst>
+              <a:ext uri="{FF2B5EF4-FFF2-40B4-BE49-F238E27FC236}">
+                <a16:creationId xmlns:a16="http://schemas.microsoft.com/office/drawing/2014/main" id="{C3509894-4D9C-47CC-69E3-975C69B7B7EC}"/>
+              </a:ext>
+            </a:extLst>
+          </p:cNvPr>
+          <p:cNvSpPr/>
+          <p:nvPr/>
+        </p:nvSpPr>
+        <p:spPr>
+          <a:xfrm>
+            <a:off x="6064301" y="2213305"/>
+            <a:ext cx="709576" cy="358445"/>
+          </a:xfrm>
+          <a:prstGeom prst="callout3">
+            <a:avLst>
+              <a:gd name="adj1" fmla="val -13903"/>
+              <a:gd name="adj2" fmla="val 73110"/>
+              <a:gd name="adj3" fmla="val -50638"/>
+              <a:gd name="adj4" fmla="val 76116"/>
+              <a:gd name="adj5" fmla="val -81632"/>
+              <a:gd name="adj6" fmla="val 82302"/>
+              <a:gd name="adj7" fmla="val -155007"/>
+              <a:gd name="adj8" fmla="val 88556"/>
+            </a:avLst>
+          </a:prstGeom>
+          <a:solidFill>
+            <a:schemeClr val="accent4"/>
+          </a:solidFill>
+          <a:ln w="12700">
+            <a:prstDash val="sysDot"/>
+          </a:ln>
+        </p:spPr>
+        <p:style>
+          <a:lnRef idx="2">
+            <a:schemeClr val="dk1">
+              <a:shade val="15000"/>
+            </a:schemeClr>
+          </a:lnRef>
+          <a:fillRef idx="1">
+            <a:schemeClr val="dk1"/>
+          </a:fillRef>
+          <a:effectRef idx="0">
+            <a:schemeClr val="dk1"/>
+          </a:effectRef>
+          <a:fontRef idx="minor">
+            <a:schemeClr val="lt1"/>
+          </a:fontRef>
+        </p:style>
+        <p:txBody>
+          <a:bodyPr rtlCol="0" anchor="ctr"/>
+          <a:lstStyle/>
+          <a:p>
+            <a:pPr algn="ctr"/>
+            <a:r>
+              <a:rPr lang="en-US" sz="800" dirty="0">
+                <a:solidFill>
+                  <a:schemeClr val="tx1">
+                    <a:lumMod val="50000"/>
+                  </a:schemeClr>
+                </a:solidFill>
+              </a:rPr>
+              <a:t>Etch Class Added</a:t>
+            </a:r>
+          </a:p>
+        </p:txBody>
+      </p:sp>
+      <p:sp>
+        <p:nvSpPr>
+          <p:cNvPr id="7" name="Callout: Double Bent Line with No Border 6">
+            <a:extLst>
+              <a:ext uri="{FF2B5EF4-FFF2-40B4-BE49-F238E27FC236}">
+                <a16:creationId xmlns:a16="http://schemas.microsoft.com/office/drawing/2014/main" id="{DA44B96A-E375-789C-EA54-C3A984990F2B}"/>
+              </a:ext>
+            </a:extLst>
+          </p:cNvPr>
+          <p:cNvSpPr/>
+          <p:nvPr/>
+        </p:nvSpPr>
+        <p:spPr>
+          <a:xfrm>
+            <a:off x="6773877" y="2987497"/>
+            <a:ext cx="863192" cy="358445"/>
+          </a:xfrm>
+          <a:prstGeom prst="callout3">
+            <a:avLst>
+              <a:gd name="adj1" fmla="val -13903"/>
+              <a:gd name="adj2" fmla="val 73110"/>
+              <a:gd name="adj3" fmla="val -50638"/>
+              <a:gd name="adj4" fmla="val 76116"/>
+              <a:gd name="adj5" fmla="val -81632"/>
+              <a:gd name="adj6" fmla="val 82302"/>
+              <a:gd name="adj7" fmla="val -169293"/>
+              <a:gd name="adj8" fmla="val 78387"/>
+            </a:avLst>
+          </a:prstGeom>
+          <a:ln w="12700">
+            <a:prstDash val="sysDot"/>
+          </a:ln>
+        </p:spPr>
+        <p:style>
+          <a:lnRef idx="2">
+            <a:schemeClr val="dk1">
+              <a:shade val="15000"/>
+            </a:schemeClr>
+          </a:lnRef>
+          <a:fillRef idx="1">
+            <a:schemeClr val="dk1"/>
+          </a:fillRef>
+          <a:effectRef idx="0">
+            <a:schemeClr val="dk1"/>
+          </a:effectRef>
+          <a:fontRef idx="minor">
+            <a:schemeClr val="lt1"/>
+          </a:fontRef>
+        </p:style>
+        <p:txBody>
+          <a:bodyPr rtlCol="0" anchor="ctr"/>
+          <a:lstStyle/>
+          <a:p>
+            <a:pPr algn="ctr"/>
+            <a:r>
+              <a:rPr lang="en-US" sz="800" dirty="0"/>
+              <a:t>Experimenting with 6 CONV</a:t>
+            </a:r>
+          </a:p>
+        </p:txBody>
+      </p:sp>
+      <p:sp>
+        <p:nvSpPr>
+          <p:cNvPr id="8" name="Callout: Double Bent Line with No Border 7">
+            <a:extLst>
+              <a:ext uri="{FF2B5EF4-FFF2-40B4-BE49-F238E27FC236}">
+                <a16:creationId xmlns:a16="http://schemas.microsoft.com/office/drawing/2014/main" id="{A63F2092-A5F4-67DA-86DE-05474EC3BA57}"/>
+              </a:ext>
+            </a:extLst>
+          </p:cNvPr>
+          <p:cNvSpPr/>
+          <p:nvPr/>
+        </p:nvSpPr>
+        <p:spPr>
+          <a:xfrm>
+            <a:off x="3312568" y="3879400"/>
+            <a:ext cx="863192" cy="459639"/>
+          </a:xfrm>
+          <a:prstGeom prst="callout3">
+            <a:avLst>
+              <a:gd name="adj1" fmla="val -13903"/>
+              <a:gd name="adj2" fmla="val 73110"/>
+              <a:gd name="adj3" fmla="val -50638"/>
+              <a:gd name="adj4" fmla="val 76116"/>
+              <a:gd name="adj5" fmla="val -81632"/>
+              <a:gd name="adj6" fmla="val 82302"/>
+              <a:gd name="adj7" fmla="val -215837"/>
+              <a:gd name="adj8" fmla="val 77539"/>
+            </a:avLst>
+          </a:prstGeom>
+          <a:ln w="12700">
+            <a:prstDash val="sysDot"/>
+          </a:ln>
+        </p:spPr>
+        <p:style>
+          <a:lnRef idx="2">
+            <a:schemeClr val="dk1">
+              <a:shade val="15000"/>
+            </a:schemeClr>
+          </a:lnRef>
+          <a:fillRef idx="1">
+            <a:schemeClr val="dk1"/>
+          </a:fillRef>
+          <a:effectRef idx="0">
+            <a:schemeClr val="dk1"/>
+          </a:effectRef>
+          <a:fontRef idx="minor">
+            <a:schemeClr val="lt1"/>
+          </a:fontRef>
+        </p:style>
+        <p:txBody>
+          <a:bodyPr rtlCol="0" anchor="ctr"/>
+          <a:lstStyle/>
+          <a:p>
+            <a:pPr algn="ctr"/>
+            <a:r>
+              <a:rPr lang="en-US" sz="800" dirty="0"/>
+              <a:t>Experimenting mini </a:t>
+            </a:r>
+            <a:r>
+              <a:rPr lang="en-US" sz="800" dirty="0" err="1"/>
+              <a:t>AlexNet</a:t>
+            </a:r>
+            <a:r>
+              <a:rPr lang="en-US" sz="800" dirty="0"/>
+              <a:t>, ResNet50</a:t>
+            </a:r>
+          </a:p>
+        </p:txBody>
+      </p:sp>
+      <p:sp>
+        <p:nvSpPr>
+          <p:cNvPr id="9" name="Callout: Double Bent Line with No Border 8">
+            <a:extLst>
+              <a:ext uri="{FF2B5EF4-FFF2-40B4-BE49-F238E27FC236}">
+                <a16:creationId xmlns:a16="http://schemas.microsoft.com/office/drawing/2014/main" id="{3DA425BC-43E3-3262-AC2C-C6D83D8607E3}"/>
+              </a:ext>
+            </a:extLst>
+          </p:cNvPr>
+          <p:cNvSpPr/>
+          <p:nvPr/>
+        </p:nvSpPr>
+        <p:spPr>
+          <a:xfrm>
+            <a:off x="1285038" y="3980594"/>
+            <a:ext cx="863192" cy="358445"/>
+          </a:xfrm>
+          <a:prstGeom prst="callout3">
+            <a:avLst>
+              <a:gd name="adj1" fmla="val -13903"/>
+              <a:gd name="adj2" fmla="val 73110"/>
+              <a:gd name="adj3" fmla="val -50638"/>
+              <a:gd name="adj4" fmla="val 76116"/>
+              <a:gd name="adj5" fmla="val -81632"/>
+              <a:gd name="adj6" fmla="val 82302"/>
+              <a:gd name="adj7" fmla="val -232558"/>
+              <a:gd name="adj8" fmla="val 80082"/>
+            </a:avLst>
+          </a:prstGeom>
+          <a:ln w="12700">
+            <a:prstDash val="sysDot"/>
+          </a:ln>
+        </p:spPr>
+        <p:style>
+          <a:lnRef idx="2">
+            <a:schemeClr val="dk1">
+              <a:shade val="15000"/>
+            </a:schemeClr>
+          </a:lnRef>
+          <a:fillRef idx="1">
+            <a:schemeClr val="dk1"/>
+          </a:fillRef>
+          <a:effectRef idx="0">
+            <a:schemeClr val="dk1"/>
+          </a:effectRef>
+          <a:fontRef idx="minor">
+            <a:schemeClr val="lt1"/>
+          </a:fontRef>
+        </p:style>
+        <p:txBody>
+          <a:bodyPr rtlCol="0" anchor="ctr"/>
+          <a:lstStyle/>
+          <a:p>
+            <a:pPr algn="ctr"/>
+            <a:r>
+              <a:rPr lang="en-US" sz="800" dirty="0"/>
+              <a:t>Experimenting </a:t>
+            </a:r>
+            <a:r>
+              <a:rPr lang="en-US" sz="800" dirty="0" err="1"/>
+              <a:t>BatchNorm</a:t>
+            </a:r>
+            <a:endParaRPr lang="en-US" sz="800" dirty="0"/>
+          </a:p>
+        </p:txBody>
+      </p:sp>
+      <p:sp>
+        <p:nvSpPr>
+          <p:cNvPr id="10" name="Callout: Double Bent Line with No Border 9">
+            <a:extLst>
+              <a:ext uri="{FF2B5EF4-FFF2-40B4-BE49-F238E27FC236}">
+                <a16:creationId xmlns:a16="http://schemas.microsoft.com/office/drawing/2014/main" id="{D5FEA338-491E-60EF-86D0-DEF1E897033D}"/>
+              </a:ext>
+            </a:extLst>
+          </p:cNvPr>
+          <p:cNvSpPr/>
+          <p:nvPr/>
+        </p:nvSpPr>
+        <p:spPr>
+          <a:xfrm>
+            <a:off x="4834128" y="2392527"/>
+            <a:ext cx="762000" cy="468257"/>
+          </a:xfrm>
+          <a:prstGeom prst="callout3">
+            <a:avLst>
+              <a:gd name="adj1" fmla="val -11862"/>
+              <a:gd name="adj2" fmla="val 38059"/>
+              <a:gd name="adj3" fmla="val -58801"/>
+              <a:gd name="adj4" fmla="val 51374"/>
+              <a:gd name="adj5" fmla="val -91836"/>
+              <a:gd name="adj6" fmla="val 37972"/>
+              <a:gd name="adj7" fmla="val -140793"/>
+              <a:gd name="adj8" fmla="val -4762"/>
+            </a:avLst>
+          </a:prstGeom>
+          <a:solidFill>
+            <a:schemeClr val="accent4"/>
+          </a:solidFill>
+          <a:ln w="12700">
+            <a:prstDash val="sysDot"/>
+          </a:ln>
+        </p:spPr>
+        <p:style>
+          <a:lnRef idx="2">
+            <a:schemeClr val="dk1">
+              <a:shade val="15000"/>
+            </a:schemeClr>
+          </a:lnRef>
+          <a:fillRef idx="1">
+            <a:schemeClr val="dk1"/>
+          </a:fillRef>
+          <a:effectRef idx="0">
+            <a:schemeClr val="dk1"/>
+          </a:effectRef>
+          <a:fontRef idx="minor">
+            <a:schemeClr val="lt1"/>
+          </a:fontRef>
+        </p:style>
+        <p:txBody>
+          <a:bodyPr rtlCol="0" anchor="ctr"/>
+          <a:lstStyle/>
+          <a:p>
+            <a:pPr algn="ctr"/>
+            <a:r>
+              <a:rPr lang="en-US" sz="800" dirty="0">
+                <a:solidFill>
+                  <a:schemeClr val="tx1">
+                    <a:lumMod val="50000"/>
+                  </a:schemeClr>
+                </a:solidFill>
+              </a:rPr>
+              <a:t>Fixed Colab batching Issue</a:t>
+            </a:r>
+          </a:p>
+        </p:txBody>
+      </p:sp>
+      <p:sp>
+        <p:nvSpPr>
+          <p:cNvPr id="11" name="Callout: Double Bent Line with No Border 10">
+            <a:extLst>
+              <a:ext uri="{FF2B5EF4-FFF2-40B4-BE49-F238E27FC236}">
+                <a16:creationId xmlns:a16="http://schemas.microsoft.com/office/drawing/2014/main" id="{CF578C5B-59C5-DF6A-79DA-1B2694696208}"/>
+              </a:ext>
+            </a:extLst>
+          </p:cNvPr>
+          <p:cNvSpPr/>
+          <p:nvPr/>
+        </p:nvSpPr>
+        <p:spPr>
+          <a:xfrm>
+            <a:off x="7282281" y="973124"/>
+            <a:ext cx="709576" cy="358445"/>
+          </a:xfrm>
+          <a:prstGeom prst="callout3">
+            <a:avLst>
+              <a:gd name="adj1" fmla="val 39158"/>
+              <a:gd name="adj2" fmla="val -8333"/>
+              <a:gd name="adj3" fmla="val 45280"/>
+              <a:gd name="adj4" fmla="val -9451"/>
+              <a:gd name="adj5" fmla="val 67347"/>
+              <a:gd name="adj6" fmla="val -10481"/>
+              <a:gd name="adj7" fmla="val 136830"/>
+              <a:gd name="adj8" fmla="val -11444"/>
+            </a:avLst>
+          </a:prstGeom>
+          <a:solidFill>
+            <a:srgbClr val="92D050"/>
+          </a:solidFill>
+          <a:ln w="12700">
+            <a:prstDash val="sysDot"/>
+          </a:ln>
+        </p:spPr>
+        <p:style>
+          <a:lnRef idx="2">
+            <a:schemeClr val="dk1">
+              <a:shade val="15000"/>
+            </a:schemeClr>
+          </a:lnRef>
+          <a:fillRef idx="1">
+            <a:schemeClr val="dk1"/>
+          </a:fillRef>
+          <a:effectRef idx="0">
+            <a:schemeClr val="dk1"/>
+          </a:effectRef>
+          <a:fontRef idx="minor">
+            <a:schemeClr val="lt1"/>
+          </a:fontRef>
+        </p:style>
+        <p:txBody>
+          <a:bodyPr rtlCol="0" anchor="ctr"/>
+          <a:lstStyle/>
+          <a:p>
+            <a:pPr algn="ctr"/>
+            <a:r>
+              <a:rPr lang="en-US" sz="800" dirty="0">
+                <a:solidFill>
+                  <a:schemeClr val="tx1">
+                    <a:lumMod val="50000"/>
+                  </a:schemeClr>
+                </a:solidFill>
+              </a:rPr>
+              <a:t>Best PASS FPR</a:t>
+            </a:r>
+          </a:p>
+        </p:txBody>
+      </p:sp>
+    </p:spTree>
+    <p:extLst>
+      <p:ext uri="{BB962C8B-B14F-4D97-AF65-F5344CB8AC3E}">
+        <p14:creationId xmlns:p14="http://schemas.microsoft.com/office/powerpoint/2010/main" val="1970299967"/>
       </p:ext>
     </p:extLst>
   </p:cSld>
